--- a/Contest/FinalPresentation.pptx
+++ b/Contest/FinalPresentation.pptx
@@ -5,7 +5,7 @@
     <p:sldMasterId id="2147483672" r:id="rId1"/>
   </p:sldMasterIdLst>
   <p:notesMasterIdLst>
-    <p:notesMasterId r:id="rId30"/>
+    <p:notesMasterId r:id="rId18"/>
   </p:notesMasterIdLst>
   <p:sldIdLst>
     <p:sldId id="256" r:id="rId2"/>
@@ -15,27 +15,15 @@
     <p:sldId id="316" r:id="rId6"/>
     <p:sldId id="296" r:id="rId7"/>
     <p:sldId id="260" r:id="rId8"/>
-    <p:sldId id="297" r:id="rId9"/>
-    <p:sldId id="298" r:id="rId10"/>
-    <p:sldId id="299" r:id="rId11"/>
-    <p:sldId id="301" r:id="rId12"/>
-    <p:sldId id="317" r:id="rId13"/>
-    <p:sldId id="302" r:id="rId14"/>
-    <p:sldId id="303" r:id="rId15"/>
-    <p:sldId id="304" r:id="rId16"/>
-    <p:sldId id="305" r:id="rId17"/>
-    <p:sldId id="306" r:id="rId18"/>
-    <p:sldId id="307" r:id="rId19"/>
-    <p:sldId id="308" r:id="rId20"/>
-    <p:sldId id="318" r:id="rId21"/>
-    <p:sldId id="319" r:id="rId22"/>
-    <p:sldId id="320" r:id="rId23"/>
-    <p:sldId id="321" r:id="rId24"/>
-    <p:sldId id="322" r:id="rId25"/>
-    <p:sldId id="323" r:id="rId26"/>
-    <p:sldId id="324" r:id="rId27"/>
-    <p:sldId id="325" r:id="rId28"/>
-    <p:sldId id="326" r:id="rId29"/>
+    <p:sldId id="327" r:id="rId9"/>
+    <p:sldId id="301" r:id="rId10"/>
+    <p:sldId id="328" r:id="rId11"/>
+    <p:sldId id="306" r:id="rId12"/>
+    <p:sldId id="329" r:id="rId13"/>
+    <p:sldId id="308" r:id="rId14"/>
+    <p:sldId id="318" r:id="rId15"/>
+    <p:sldId id="325" r:id="rId16"/>
+    <p:sldId id="326" r:id="rId17"/>
   </p:sldIdLst>
   <p:sldSz cx="9144000" cy="6858000" type="screen4x3"/>
   <p:notesSz cx="6858000" cy="9144000"/>
@@ -136,7 +124,7 @@
   </p:defaultTextStyle>
   <p:extLst>
     <p:ext uri="{EFAFB233-063F-42B5-8137-9DF3F51BA10A}">
-      <p15:sldGuideLst xmlns:p15="http://schemas.microsoft.com/office/powerpoint/2012/main">
+      <p15:sldGuideLst xmlns="" xmlns:p15="http://schemas.microsoft.com/office/powerpoint/2012/main">
         <p15:guide id="1" orient="horz" pos="2160">
           <p15:clr>
             <a:srgbClr val="A4A3A4"/>
@@ -3662,12 +3650,12 @@
         </a:fontRef>
       </dsp:style>
       <dsp:txBody>
-        <a:bodyPr spcFirstLastPara="0" vert="horz" wrap="square" lIns="90678" tIns="45339" rIns="22670" bIns="45339" numCol="1" spcCol="1270" anchor="ctr" anchorCtr="0">
+        <a:bodyPr spcFirstLastPara="0" vert="horz" wrap="square" lIns="101346" tIns="50673" rIns="25337" bIns="50673" numCol="1" spcCol="1270" anchor="ctr" anchorCtr="0">
           <a:noAutofit/>
         </a:bodyPr>
         <a:lstStyle/>
         <a:p>
-          <a:pPr lvl="0" algn="ctr" defTabSz="755650">
+          <a:pPr lvl="0" algn="ctr" defTabSz="844550">
             <a:lnSpc>
               <a:spcPct val="90000"/>
             </a:lnSpc>
@@ -3679,10 +3667,10 @@
             </a:spcAft>
           </a:pPr>
           <a:r>
-            <a:rPr lang="zh-TW" altLang="en-US" sz="1700" kern="1200" dirty="0" smtClean="0"/>
+            <a:rPr lang="zh-TW" altLang="en-US" sz="1900" kern="1200" dirty="0" smtClean="0"/>
             <a:t>稽核範圍決定</a:t>
           </a:r>
-          <a:endParaRPr lang="zh-TW" altLang="en-US" sz="1700" kern="1200" dirty="0"/>
+          <a:endParaRPr lang="zh-TW" altLang="en-US" sz="1900" kern="1200" dirty="0"/>
         </a:p>
       </dsp:txBody>
       <dsp:txXfrm>
@@ -3893,12 +3881,12 @@
         </a:fontRef>
       </dsp:style>
       <dsp:txBody>
-        <a:bodyPr spcFirstLastPara="0" vert="horz" wrap="square" lIns="68009" tIns="45339" rIns="22670" bIns="45339" numCol="1" spcCol="1270" anchor="ctr" anchorCtr="0">
+        <a:bodyPr spcFirstLastPara="0" vert="horz" wrap="square" lIns="76010" tIns="50673" rIns="25337" bIns="50673" numCol="1" spcCol="1270" anchor="ctr" anchorCtr="0">
           <a:noAutofit/>
         </a:bodyPr>
         <a:lstStyle/>
         <a:p>
-          <a:pPr lvl="0" algn="ctr" defTabSz="755650">
+          <a:pPr lvl="0" algn="ctr" defTabSz="844550">
             <a:lnSpc>
               <a:spcPct val="90000"/>
             </a:lnSpc>
@@ -3910,10 +3898,10 @@
             </a:spcAft>
           </a:pPr>
           <a:r>
-            <a:rPr lang="zh-TW" altLang="en-US" sz="1700" kern="1200" smtClean="0"/>
+            <a:rPr lang="zh-TW" altLang="en-US" sz="1900" kern="1200" smtClean="0"/>
             <a:t>稽核日</a:t>
           </a:r>
-          <a:endParaRPr lang="zh-TW" altLang="en-US" sz="1700" kern="1200"/>
+          <a:endParaRPr lang="zh-TW" altLang="en-US" sz="1900" kern="1200"/>
         </a:p>
       </dsp:txBody>
       <dsp:txXfrm>
@@ -8857,7 +8845,7 @@
           <a:p>
             <a:fld id="{8D3E782C-8BA5-4E75-AB3A-6430B2EE33F5}" type="datetimeFigureOut">
               <a:rPr lang="zh-TW" altLang="en-US" smtClean="0"/>
-              <a:t>2015/6/2</a:t>
+              <a:t>15/6/4</a:t>
             </a:fld>
             <a:endParaRPr lang="zh-TW" altLang="en-US"/>
           </a:p>
@@ -9411,7 +9399,7 @@
           <a:p>
             <a:fld id="{B23E3EE3-903C-6049-ABF9-CB22CD5F18D1}" type="slidenum">
               <a:rPr kumimoji="1" lang="zh-TW" altLang="en-US" smtClean="0"/>
-              <a:t>11</a:t>
+              <a:t>9</a:t>
             </a:fld>
             <a:endParaRPr kumimoji="1" lang="zh-TW" altLang="en-US"/>
           </a:p>
@@ -9475,102 +9463,15 @@
           <a:lstStyle/>
           <a:p>
             <a:r>
-              <a:rPr lang="zh-TW" altLang="en-US" sz="1200" kern="1200" dirty="0" smtClean="0">
-                <a:solidFill>
-                  <a:schemeClr val="tx1"/>
-                </a:solidFill>
-                <a:latin typeface="+mn-lt"/>
-                <a:ea typeface="+mn-ea"/>
-                <a:cs typeface="+mn-cs"/>
-              </a:rPr>
-              <a:t>每一頁清單都有篩選器，以便使用人員輕鬆找到目標資料。</a:t>
+              <a:rPr kumimoji="1" lang="zh-TW" altLang="en-US" dirty="0" smtClean="0"/>
+              <a:t>主管帳號：維護問題</a:t>
             </a:r>
+            <a:endParaRPr kumimoji="1" lang="en-US" altLang="zh-TW" dirty="0" smtClean="0"/>
+          </a:p>
+          <a:p>
             <a:r>
-              <a:rPr lang="en-US" altLang="zh-TW" sz="1200" kern="1200" dirty="0" smtClean="0">
-                <a:solidFill>
-                  <a:schemeClr val="tx1"/>
-                </a:solidFill>
-                <a:latin typeface="+mn-lt"/>
-                <a:ea typeface="+mn-ea"/>
-                <a:cs typeface="+mn-cs"/>
-              </a:rPr>
-              <a:t> -</a:t>
-            </a:r>
-            <a:r>
-              <a:rPr lang="zh-TW" altLang="en-US" sz="1200" kern="1200" dirty="0" smtClean="0">
-                <a:solidFill>
-                  <a:schemeClr val="tx1"/>
-                </a:solidFill>
-                <a:latin typeface="+mn-lt"/>
-                <a:ea typeface="+mn-ea"/>
-                <a:cs typeface="+mn-cs"/>
-              </a:rPr>
-              <a:t>在管理員稽核設定頁面更有事件篩選器，除了關鍵字外，亦可針對事件去做搜尋。</a:t>
-            </a:r>
-            <a:endParaRPr lang="en-US" altLang="zh-TW" sz="1200" kern="1200" dirty="0" smtClean="0">
-              <a:solidFill>
-                <a:schemeClr val="tx1"/>
-              </a:solidFill>
-              <a:latin typeface="+mn-lt"/>
-              <a:ea typeface="+mn-ea"/>
-              <a:cs typeface="+mn-cs"/>
-            </a:endParaRPr>
-          </a:p>
-          <a:p>
-            <a:endParaRPr lang="en-US" altLang="zh-TW" sz="1200" kern="1200" dirty="0" smtClean="0">
-              <a:solidFill>
-                <a:schemeClr val="tx1"/>
-              </a:solidFill>
-              <a:latin typeface="+mn-lt"/>
-              <a:ea typeface="+mn-ea"/>
-              <a:cs typeface="+mn-cs"/>
-            </a:endParaRPr>
-          </a:p>
-          <a:p>
-            <a:r>
-              <a:rPr lang="zh-TW" altLang="en-US" sz="1200" kern="1200" dirty="0" smtClean="0">
-                <a:solidFill>
-                  <a:schemeClr val="tx1"/>
-                </a:solidFill>
-                <a:latin typeface="+mn-lt"/>
-                <a:ea typeface="+mn-ea"/>
-                <a:cs typeface="+mn-cs"/>
-              </a:rPr>
-              <a:t>透過 </a:t>
-            </a:r>
-            <a:r>
-              <a:rPr lang="en-US" altLang="zh-TW" sz="1200" kern="1200" dirty="0" err="1" smtClean="0">
-                <a:solidFill>
-                  <a:schemeClr val="tx1"/>
-                </a:solidFill>
-                <a:latin typeface="+mn-lt"/>
-                <a:ea typeface="+mn-ea"/>
-                <a:cs typeface="+mn-cs"/>
-              </a:rPr>
-              <a:t>javascript</a:t>
-            </a:r>
-            <a:r>
-              <a:rPr lang="en-US" altLang="zh-TW" sz="1200" kern="1200" dirty="0" smtClean="0">
-                <a:solidFill>
-                  <a:schemeClr val="tx1"/>
-                </a:solidFill>
-                <a:latin typeface="+mn-lt"/>
-                <a:ea typeface="+mn-ea"/>
-                <a:cs typeface="+mn-cs"/>
-              </a:rPr>
-              <a:t> </a:t>
-            </a:r>
-            <a:r>
-              <a:rPr lang="zh-TW" altLang="en-US" sz="1200" kern="1200" dirty="0" smtClean="0">
-                <a:solidFill>
-                  <a:schemeClr val="tx1"/>
-                </a:solidFill>
-                <a:latin typeface="+mn-lt"/>
-                <a:ea typeface="+mn-ea"/>
-                <a:cs typeface="+mn-cs"/>
-              </a:rPr>
-              <a:t>控制，讓關鍵字能在輸入的同時及時將結果回饋給使用者。</a:t>
+              <a:rPr kumimoji="1" lang="zh-TW" altLang="en-US" dirty="0" smtClean="0"/>
+              <a:t>主管要為了簽署稽核報告多申請、記憶一組帳號密碼</a:t>
             </a:r>
             <a:endParaRPr kumimoji="1" lang="zh-TW" altLang="en-US" dirty="0"/>
           </a:p>
@@ -9593,7 +9494,7 @@
           <a:p>
             <a:fld id="{B23E3EE3-903C-6049-ABF9-CB22CD5F18D1}" type="slidenum">
               <a:rPr kumimoji="1" lang="zh-TW" altLang="en-US" smtClean="0"/>
-              <a:t>13</a:t>
+              <a:t>11</a:t>
             </a:fld>
             <a:endParaRPr kumimoji="1" lang="zh-TW" altLang="en-US"/>
           </a:p>
@@ -9602,7 +9503,7 @@
     </p:spTree>
     <p:extLst>
       <p:ext uri="{BB962C8B-B14F-4D97-AF65-F5344CB8AC3E}">
-        <p14:creationId xmlns:p14="http://schemas.microsoft.com/office/powerpoint/2010/main" val="2147779948"/>
+        <p14:creationId xmlns:p14="http://schemas.microsoft.com/office/powerpoint/2010/main" val="1802193883"/>
       </p:ext>
     </p:extLst>
   </p:cSld>
@@ -9658,14 +9559,14 @@
           <a:p>
             <a:r>
               <a:rPr kumimoji="1" lang="zh-TW" altLang="en-US" dirty="0" smtClean="0"/>
-              <a:t>主管帳號：維護問題</a:t>
+              <a:t>在矯正預防表單上我們提供指派給其他人的選項，需要輸入對方的姓名、郵件地址，當窗口指派給他人時系統會寄信通知對方，內含一個一次性連結，當填完送出後資料將存入資料庫、連結將失效。</a:t>
             </a:r>
             <a:endParaRPr kumimoji="1" lang="en-US" altLang="zh-TW" dirty="0" smtClean="0"/>
           </a:p>
           <a:p>
             <a:r>
               <a:rPr kumimoji="1" lang="zh-TW" altLang="en-US" dirty="0" smtClean="0"/>
-              <a:t>主管要為了簽署稽核報告多申請、記憶一組帳號密碼</a:t>
+              <a:t>指派後萬一窗口想要自己填寫或指派給另一人，窗口填寫後送出資料前者連結將失效，重新指派一次前者連結也會失效。</a:t>
             </a:r>
             <a:endParaRPr kumimoji="1" lang="zh-TW" altLang="en-US" dirty="0"/>
           </a:p>
@@ -9688,102 +9589,7 @@
           <a:p>
             <a:fld id="{B23E3EE3-903C-6049-ABF9-CB22CD5F18D1}" type="slidenum">
               <a:rPr kumimoji="1" lang="zh-TW" altLang="en-US" smtClean="0"/>
-              <a:t>17</a:t>
-            </a:fld>
-            <a:endParaRPr kumimoji="1" lang="zh-TW" altLang="en-US"/>
-          </a:p>
-        </p:txBody>
-      </p:sp>
-    </p:spTree>
-    <p:extLst>
-      <p:ext uri="{BB962C8B-B14F-4D97-AF65-F5344CB8AC3E}">
-        <p14:creationId xmlns:p14="http://schemas.microsoft.com/office/powerpoint/2010/main" val="1802193883"/>
-      </p:ext>
-    </p:extLst>
-  </p:cSld>
-  <p:clrMapOvr>
-    <a:masterClrMapping/>
-  </p:clrMapOvr>
-</p:notes>
-</file>
-
-<file path=ppt/notesSlides/notesSlide6.xml><?xml version="1.0" encoding="utf-8"?>
-<p:notes xmlns:a="http://schemas.openxmlformats.org/drawingml/2006/main" xmlns:r="http://schemas.openxmlformats.org/officeDocument/2006/relationships" xmlns:p="http://schemas.openxmlformats.org/presentationml/2006/main">
-  <p:cSld>
-    <p:spTree>
-      <p:nvGrpSpPr>
-        <p:cNvPr id="1" name=""/>
-        <p:cNvGrpSpPr/>
-        <p:nvPr/>
-      </p:nvGrpSpPr>
-      <p:grpSpPr>
-        <a:xfrm>
-          <a:off x="0" y="0"/>
-          <a:ext cx="0" cy="0"/>
-          <a:chOff x="0" y="0"/>
-          <a:chExt cx="0" cy="0"/>
-        </a:xfrm>
-      </p:grpSpPr>
-      <p:sp>
-        <p:nvSpPr>
-          <p:cNvPr id="2" name="投影片影像版面配置區 1"/>
-          <p:cNvSpPr>
-            <a:spLocks noGrp="1" noRot="1" noChangeAspect="1"/>
-          </p:cNvSpPr>
-          <p:nvPr>
-            <p:ph type="sldImg"/>
-          </p:nvPr>
-        </p:nvSpPr>
-        <p:spPr/>
-      </p:sp>
-      <p:sp>
-        <p:nvSpPr>
-          <p:cNvPr id="3" name="備忘稿版面配置區 2"/>
-          <p:cNvSpPr>
-            <a:spLocks noGrp="1"/>
-          </p:cNvSpPr>
-          <p:nvPr>
-            <p:ph type="body" idx="1"/>
-          </p:nvPr>
-        </p:nvSpPr>
-        <p:spPr/>
-        <p:txBody>
-          <a:bodyPr/>
-          <a:lstStyle/>
-          <a:p>
-            <a:r>
-              <a:rPr kumimoji="1" lang="zh-TW" altLang="en-US" dirty="0" smtClean="0"/>
-              <a:t>在矯正預防表單上我們提供指派給其他人的選項，需要輸入對方的姓名、郵件地址，當窗口指派給他人時系統會寄信通知對方，內含一個一次性連結，當填完送出後資料將存入資料庫、連結將失效。</a:t>
-            </a:r>
-            <a:endParaRPr kumimoji="1" lang="en-US" altLang="zh-TW" dirty="0" smtClean="0"/>
-          </a:p>
-          <a:p>
-            <a:r>
-              <a:rPr kumimoji="1" lang="zh-TW" altLang="en-US" dirty="0" smtClean="0"/>
-              <a:t>指派後萬一窗口想要自己填寫或指派給另一人，窗口填寫後送出資料前者連結將失效，重新指派一次前者連結也會失效。</a:t>
-            </a:r>
-            <a:endParaRPr kumimoji="1" lang="zh-TW" altLang="en-US" dirty="0"/>
-          </a:p>
-        </p:txBody>
-      </p:sp>
-      <p:sp>
-        <p:nvSpPr>
-          <p:cNvPr id="4" name="投影片編號版面配置區 3"/>
-          <p:cNvSpPr>
-            <a:spLocks noGrp="1"/>
-          </p:cNvSpPr>
-          <p:nvPr>
-            <p:ph type="sldNum" sz="quarter" idx="10"/>
-          </p:nvPr>
-        </p:nvSpPr>
-        <p:spPr/>
-        <p:txBody>
-          <a:bodyPr/>
-          <a:lstStyle/>
-          <a:p>
-            <a:fld id="{B23E3EE3-903C-6049-ABF9-CB22CD5F18D1}" type="slidenum">
-              <a:rPr kumimoji="1" lang="zh-TW" altLang="en-US" smtClean="0"/>
-              <a:t>19</a:t>
+              <a:t>13</a:t>
             </a:fld>
             <a:endParaRPr kumimoji="1" lang="zh-TW" altLang="en-US"/>
           </a:p>
@@ -10318,7 +10124,7 @@
           <a:p>
             <a:fld id="{630FF765-17E2-4CE6-9E8D-D311E8FC59D5}" type="datetimeFigureOut">
               <a:rPr lang="zh-TW" altLang="en-US" smtClean="0"/>
-              <a:t>2015/6/2</a:t>
+              <a:t>15/6/4</a:t>
             </a:fld>
             <a:endParaRPr lang="zh-TW" altLang="en-US"/>
           </a:p>
@@ -10419,7 +10225,7 @@
           </a:ln>
           <a:extLst>
             <a:ext uri="{91240B29-F687-4f45-9708-019B960494DF}">
-              <a14:hiddenLine xmlns:a14="http://schemas.microsoft.com/office/drawing/2010/main" xmlns="" w="9525">
+              <a14:hiddenLine xmlns:a14="http://schemas.microsoft.com/office/drawing/2010/main" w="9525">
                 <a:solidFill>
                   <a:srgbClr val="000000"/>
                 </a:solidFill>
@@ -10474,7 +10280,7 @@
           </a:ln>
           <a:extLst>
             <a:ext uri="{91240B29-F687-4f45-9708-019B960494DF}">
-              <a14:hiddenLine xmlns:a14="http://schemas.microsoft.com/office/drawing/2010/main" xmlns="" w="9525">
+              <a14:hiddenLine xmlns:a14="http://schemas.microsoft.com/office/drawing/2010/main" w="9525">
                 <a:solidFill>
                   <a:srgbClr val="000000"/>
                 </a:solidFill>
@@ -10729,7 +10535,7 @@
           <a:p>
             <a:fld id="{630FF765-17E2-4CE6-9E8D-D311E8FC59D5}" type="datetimeFigureOut">
               <a:rPr lang="zh-TW" altLang="en-US" smtClean="0"/>
-              <a:t>2015/6/2</a:t>
+              <a:t>15/6/4</a:t>
             </a:fld>
             <a:endParaRPr lang="zh-TW" altLang="en-US"/>
           </a:p>
@@ -10977,7 +10783,7 @@
           <a:p>
             <a:fld id="{630FF765-17E2-4CE6-9E8D-D311E8FC59D5}" type="datetimeFigureOut">
               <a:rPr lang="zh-TW" altLang="en-US" smtClean="0"/>
-              <a:t>2015/6/2</a:t>
+              <a:t>15/6/4</a:t>
             </a:fld>
             <a:endParaRPr lang="zh-TW" altLang="en-US"/>
           </a:p>
@@ -11517,7 +11323,7 @@
           <a:p>
             <a:fld id="{630FF765-17E2-4CE6-9E8D-D311E8FC59D5}" type="datetimeFigureOut">
               <a:rPr lang="zh-TW" altLang="en-US" smtClean="0"/>
-              <a:t>2015/6/2</a:t>
+              <a:t>15/6/4</a:t>
             </a:fld>
             <a:endParaRPr lang="zh-TW" altLang="en-US"/>
           </a:p>
@@ -11765,7 +11571,7 @@
           <a:p>
             <a:fld id="{630FF765-17E2-4CE6-9E8D-D311E8FC59D5}" type="datetimeFigureOut">
               <a:rPr lang="zh-TW" altLang="en-US" smtClean="0"/>
-              <a:t>2015/6/2</a:t>
+              <a:t>15/6/4</a:t>
             </a:fld>
             <a:endParaRPr lang="zh-TW" altLang="en-US"/>
           </a:p>
@@ -12297,7 +12103,7 @@
           <a:p>
             <a:fld id="{630FF765-17E2-4CE6-9E8D-D311E8FC59D5}" type="datetimeFigureOut">
               <a:rPr lang="zh-TW" altLang="en-US" smtClean="0"/>
-              <a:t>2015/6/2</a:t>
+              <a:t>15/6/4</a:t>
             </a:fld>
             <a:endParaRPr lang="zh-TW" altLang="en-US"/>
           </a:p>
@@ -12594,7 +12400,7 @@
           <a:p>
             <a:fld id="{630FF765-17E2-4CE6-9E8D-D311E8FC59D5}" type="datetimeFigureOut">
               <a:rPr lang="zh-TW" altLang="en-US" smtClean="0"/>
-              <a:t>2015/6/2</a:t>
+              <a:t>15/6/4</a:t>
             </a:fld>
             <a:endParaRPr lang="zh-TW" altLang="en-US"/>
           </a:p>
@@ -12768,7 +12574,7 @@
           <a:p>
             <a:fld id="{630FF765-17E2-4CE6-9E8D-D311E8FC59D5}" type="datetimeFigureOut">
               <a:rPr lang="zh-TW" altLang="en-US" smtClean="0"/>
-              <a:t>2015/6/2</a:t>
+              <a:t>15/6/4</a:t>
             </a:fld>
             <a:endParaRPr lang="zh-TW" altLang="en-US"/>
           </a:p>
@@ -12948,7 +12754,7 @@
           <a:p>
             <a:fld id="{630FF765-17E2-4CE6-9E8D-D311E8FC59D5}" type="datetimeFigureOut">
               <a:rPr lang="zh-TW" altLang="en-US" smtClean="0"/>
-              <a:t>2015/6/2</a:t>
+              <a:t>15/6/4</a:t>
             </a:fld>
             <a:endParaRPr lang="zh-TW" altLang="en-US"/>
           </a:p>
@@ -13133,7 +12939,7 @@
           <a:p>
             <a:fld id="{630FF765-17E2-4CE6-9E8D-D311E8FC59D5}" type="datetimeFigureOut">
               <a:rPr lang="zh-TW" altLang="en-US" smtClean="0"/>
-              <a:t>2015/6/2</a:t>
+              <a:t>15/6/4</a:t>
             </a:fld>
             <a:endParaRPr lang="zh-TW" altLang="en-US"/>
           </a:p>
@@ -13389,7 +13195,7 @@
           <a:p>
             <a:fld id="{630FF765-17E2-4CE6-9E8D-D311E8FC59D5}" type="datetimeFigureOut">
               <a:rPr lang="zh-TW" altLang="en-US" smtClean="0"/>
-              <a:t>2015/6/2</a:t>
+              <a:t>15/6/4</a:t>
             </a:fld>
             <a:endParaRPr lang="zh-TW" altLang="en-US"/>
           </a:p>
@@ -13691,7 +13497,7 @@
           <a:p>
             <a:fld id="{630FF765-17E2-4CE6-9E8D-D311E8FC59D5}" type="datetimeFigureOut">
               <a:rPr lang="zh-TW" altLang="en-US" smtClean="0"/>
-              <a:t>2015/6/2</a:t>
+              <a:t>15/6/4</a:t>
             </a:fld>
             <a:endParaRPr lang="zh-TW" altLang="en-US"/>
           </a:p>
@@ -14133,7 +13939,7 @@
           <a:p>
             <a:fld id="{630FF765-17E2-4CE6-9E8D-D311E8FC59D5}" type="datetimeFigureOut">
               <a:rPr lang="zh-TW" altLang="en-US" smtClean="0"/>
-              <a:t>2015/6/2</a:t>
+              <a:t>15/6/4</a:t>
             </a:fld>
             <a:endParaRPr lang="zh-TW" altLang="en-US"/>
           </a:p>
@@ -14251,7 +14057,7 @@
           <a:p>
             <a:fld id="{630FF765-17E2-4CE6-9E8D-D311E8FC59D5}" type="datetimeFigureOut">
               <a:rPr lang="zh-TW" altLang="en-US" smtClean="0"/>
-              <a:t>2015/6/2</a:t>
+              <a:t>15/6/4</a:t>
             </a:fld>
             <a:endParaRPr lang="zh-TW" altLang="en-US"/>
           </a:p>
@@ -14346,7 +14152,7 @@
           <a:p>
             <a:fld id="{630FF765-17E2-4CE6-9E8D-D311E8FC59D5}" type="datetimeFigureOut">
               <a:rPr lang="zh-TW" altLang="en-US" smtClean="0"/>
-              <a:t>2015/6/2</a:t>
+              <a:t>15/6/4</a:t>
             </a:fld>
             <a:endParaRPr lang="zh-TW" altLang="en-US"/>
           </a:p>
@@ -14629,7 +14435,7 @@
           <a:p>
             <a:fld id="{630FF765-17E2-4CE6-9E8D-D311E8FC59D5}" type="datetimeFigureOut">
               <a:rPr lang="zh-TW" altLang="en-US" smtClean="0"/>
-              <a:t>2015/6/2</a:t>
+              <a:t>15/6/4</a:t>
             </a:fld>
             <a:endParaRPr lang="zh-TW" altLang="en-US"/>
           </a:p>
@@ -14920,7 +14726,7 @@
           <a:p>
             <a:fld id="{630FF765-17E2-4CE6-9E8D-D311E8FC59D5}" type="datetimeFigureOut">
               <a:rPr lang="zh-TW" altLang="en-US" smtClean="0"/>
-              <a:t>2015/6/2</a:t>
+              <a:t>15/6/4</a:t>
             </a:fld>
             <a:endParaRPr lang="zh-TW" altLang="en-US"/>
           </a:p>
@@ -15444,7 +15250,7 @@
           <a:p>
             <a:fld id="{630FF765-17E2-4CE6-9E8D-D311E8FC59D5}" type="datetimeFigureOut">
               <a:rPr lang="zh-TW" altLang="en-US" smtClean="0"/>
-              <a:t>2015/6/2</a:t>
+              <a:t>15/6/4</a:t>
             </a:fld>
             <a:endParaRPr lang="zh-TW" altLang="en-US"/>
           </a:p>
@@ -16135,7 +15941,7 @@
   <p:timing>
     <p:tnLst>
       <p:par>
-        <p:cTn id="1" dur="indefinite" restart="never" nodeType="tmRoot"/>
+        <p:cTn xmlns:p14="http://schemas.microsoft.com/office/powerpoint/2010/main" id="1" dur="indefinite" restart="never" nodeType="tmRoot"/>
       </p:par>
     </p:tnLst>
   </p:timing>
@@ -16180,13 +15986,13 @@
           <a:lstStyle/>
           <a:p>
             <a:r>
-              <a:rPr kumimoji="1" lang="zh-TW" altLang="en-US" dirty="0">
+              <a:rPr lang="zh-TW" altLang="en-US" dirty="0">
                 <a:latin typeface="微軟正黑體" panose="020B0604030504040204" pitchFamily="34" charset="-120"/>
                 <a:ea typeface="微軟正黑體" panose="020B0604030504040204" pitchFamily="34" charset="-120"/>
               </a:rPr>
-              <a:t>行事曆</a:t>
+              <a:t>單位主管通知簽署</a:t>
             </a:r>
-            <a:endParaRPr lang="en-US" altLang="zh-TW" dirty="0">
+            <a:endParaRPr lang="zh-TW" altLang="en-US" dirty="0">
               <a:latin typeface="微軟正黑體" panose="020B0604030504040204" pitchFamily="34" charset="-120"/>
               <a:ea typeface="微軟正黑體" panose="020B0604030504040204" pitchFamily="34" charset="-120"/>
             </a:endParaRPr>
@@ -16196,7 +16002,7 @@
     </p:spTree>
     <p:extLst>
       <p:ext uri="{BB962C8B-B14F-4D97-AF65-F5344CB8AC3E}">
-        <p14:creationId xmlns:p14="http://schemas.microsoft.com/office/powerpoint/2010/main" val="1031223462"/>
+        <p14:creationId xmlns:p14="http://schemas.microsoft.com/office/powerpoint/2010/main" val="1257690948"/>
       </p:ext>
     </p:extLst>
   </p:cSld>
@@ -16206,7 +16012,7 @@
   <p:timing>
     <p:tnLst>
       <p:par>
-        <p:cTn id="1" dur="indefinite" restart="never" nodeType="tmRoot"/>
+        <p:cTn xmlns:p14="http://schemas.microsoft.com/office/powerpoint/2010/main" id="1" dur="indefinite" restart="never" nodeType="tmRoot"/>
       </p:par>
     </p:tnLst>
   </p:timing>
@@ -16240,14 +16046,40 @@
             <p:ph type="title"/>
           </p:nvPr>
         </p:nvSpPr>
-        <p:spPr>
-          <a:xfrm>
-            <a:off x="982133" y="457201"/>
-            <a:ext cx="7704667" cy="883567"/>
-          </a:xfrm>
-        </p:spPr>
+        <p:spPr/>
         <p:txBody>
           <a:bodyPr/>
+          <a:lstStyle/>
+          <a:p>
+            <a:r>
+              <a:rPr lang="zh-TW" altLang="en-US" dirty="0">
+                <a:latin typeface="微軟正黑體" panose="020B0604030504040204" pitchFamily="34" charset="-120"/>
+                <a:ea typeface="微軟正黑體" panose="020B0604030504040204" pitchFamily="34" charset="-120"/>
+              </a:rPr>
+              <a:t>單位主管通知簽署</a:t>
+            </a:r>
+            <a:endParaRPr kumimoji="1" lang="zh-TW" altLang="en-US" dirty="0">
+              <a:latin typeface="微軟正黑體" panose="020B0604030504040204" pitchFamily="34" charset="-120"/>
+              <a:ea typeface="微軟正黑體" panose="020B0604030504040204" pitchFamily="34" charset="-120"/>
+            </a:endParaRPr>
+          </a:p>
+        </p:txBody>
+      </p:sp>
+      <p:sp>
+        <p:nvSpPr>
+          <p:cNvPr id="3" name="內容版面配置區 2"/>
+          <p:cNvSpPr>
+            <a:spLocks noGrp="1"/>
+          </p:cNvSpPr>
+          <p:nvPr>
+            <p:ph idx="1"/>
+          </p:nvPr>
+        </p:nvSpPr>
+        <p:spPr/>
+        <p:txBody>
+          <a:bodyPr>
+            <a:normAutofit/>
+          </a:bodyPr>
           <a:lstStyle/>
           <a:p>
             <a:r>
@@ -16255,8 +16087,96 @@
                 <a:latin typeface="微軟正黑體" panose="020B0604030504040204" pitchFamily="34" charset="-120"/>
                 <a:ea typeface="微軟正黑體" panose="020B0604030504040204" pitchFamily="34" charset="-120"/>
               </a:rPr>
-              <a:t>行事曆</a:t>
+              <a:t>問題</a:t>
             </a:r>
+            <a:endParaRPr kumimoji="1" lang="en-US" altLang="zh-TW" dirty="0" smtClean="0">
+              <a:latin typeface="微軟正黑體" panose="020B0604030504040204" pitchFamily="34" charset="-120"/>
+              <a:ea typeface="微軟正黑體" panose="020B0604030504040204" pitchFamily="34" charset="-120"/>
+            </a:endParaRPr>
+          </a:p>
+          <a:p>
+            <a:pPr lvl="1"/>
+            <a:r>
+              <a:rPr kumimoji="1" lang="zh-TW" altLang="en-US" dirty="0" smtClean="0">
+                <a:latin typeface="微軟正黑體" panose="020B0604030504040204" pitchFamily="34" charset="-120"/>
+                <a:ea typeface="微軟正黑體" panose="020B0604030504040204" pitchFamily="34" charset="-120"/>
+              </a:rPr>
+              <a:t>主管帳號</a:t>
+            </a:r>
+            <a:endParaRPr kumimoji="1" lang="en-US" altLang="zh-TW" dirty="0" smtClean="0">
+              <a:latin typeface="微軟正黑體" panose="020B0604030504040204" pitchFamily="34" charset="-120"/>
+              <a:ea typeface="微軟正黑體" panose="020B0604030504040204" pitchFamily="34" charset="-120"/>
+            </a:endParaRPr>
+          </a:p>
+          <a:p>
+            <a:pPr lvl="1"/>
+            <a:r>
+              <a:rPr kumimoji="1" lang="zh-TW" altLang="en-US" dirty="0" smtClean="0">
+                <a:latin typeface="微軟正黑體" panose="020B0604030504040204" pitchFamily="34" charset="-120"/>
+                <a:ea typeface="微軟正黑體" panose="020B0604030504040204" pitchFamily="34" charset="-120"/>
+              </a:rPr>
+              <a:t>要如何讓主管簽署</a:t>
+            </a:r>
+            <a:endParaRPr kumimoji="1" lang="en-US" altLang="zh-TW" dirty="0" smtClean="0">
+              <a:latin typeface="微軟正黑體" panose="020B0604030504040204" pitchFamily="34" charset="-120"/>
+              <a:ea typeface="微軟正黑體" panose="020B0604030504040204" pitchFamily="34" charset="-120"/>
+            </a:endParaRPr>
+          </a:p>
+          <a:p>
+            <a:pPr lvl="1"/>
+            <a:endParaRPr kumimoji="1" lang="en-US" altLang="zh-TW" dirty="0" smtClean="0">
+              <a:latin typeface="微軟正黑體" panose="020B0604030504040204" pitchFamily="34" charset="-120"/>
+              <a:ea typeface="微軟正黑體" panose="020B0604030504040204" pitchFamily="34" charset="-120"/>
+            </a:endParaRPr>
+          </a:p>
+          <a:p>
+            <a:r>
+              <a:rPr kumimoji="1" lang="zh-TW" altLang="en-US" dirty="0" smtClean="0">
+                <a:latin typeface="微軟正黑體" panose="020B0604030504040204" pitchFamily="34" charset="-120"/>
+                <a:ea typeface="微軟正黑體" panose="020B0604030504040204" pitchFamily="34" charset="-120"/>
+              </a:rPr>
+              <a:t>解決方式</a:t>
+            </a:r>
+            <a:endParaRPr kumimoji="1" lang="en-US" altLang="zh-TW" dirty="0" smtClean="0">
+              <a:latin typeface="微軟正黑體" panose="020B0604030504040204" pitchFamily="34" charset="-120"/>
+              <a:ea typeface="微軟正黑體" panose="020B0604030504040204" pitchFamily="34" charset="-120"/>
+            </a:endParaRPr>
+          </a:p>
+          <a:p>
+            <a:pPr lvl="1"/>
+            <a:r>
+              <a:rPr kumimoji="1" lang="zh-TW" altLang="en-US" dirty="0" smtClean="0">
+                <a:latin typeface="微軟正黑體" panose="020B0604030504040204" pitchFamily="34" charset="-120"/>
+                <a:ea typeface="微軟正黑體" panose="020B0604030504040204" pitchFamily="34" charset="-120"/>
+              </a:rPr>
+              <a:t>寄電子郵件通知</a:t>
+            </a:r>
+            <a:endParaRPr kumimoji="1" lang="en-US" altLang="zh-TW" dirty="0" smtClean="0">
+              <a:latin typeface="微軟正黑體" panose="020B0604030504040204" pitchFamily="34" charset="-120"/>
+              <a:ea typeface="微軟正黑體" panose="020B0604030504040204" pitchFamily="34" charset="-120"/>
+            </a:endParaRPr>
+          </a:p>
+          <a:p>
+            <a:pPr lvl="1"/>
+            <a:r>
+              <a:rPr kumimoji="1" lang="zh-TW" altLang="en-US" dirty="0" smtClean="0">
+                <a:latin typeface="微軟正黑體" panose="020B0604030504040204" pitchFamily="34" charset="-120"/>
+                <a:ea typeface="微軟正黑體" panose="020B0604030504040204" pitchFamily="34" charset="-120"/>
+              </a:rPr>
+              <a:t>透過一次性的簽署連結讓主管完成簽署動作。</a:t>
+            </a:r>
+            <a:endParaRPr kumimoji="1" lang="en-US" altLang="zh-TW" dirty="0" smtClean="0">
+              <a:latin typeface="微軟正黑體" panose="020B0604030504040204" pitchFamily="34" charset="-120"/>
+              <a:ea typeface="微軟正黑體" panose="020B0604030504040204" pitchFamily="34" charset="-120"/>
+            </a:endParaRPr>
+          </a:p>
+          <a:p>
+            <a:endParaRPr kumimoji="1" lang="en-US" altLang="zh-TW" dirty="0">
+              <a:latin typeface="微軟正黑體" panose="020B0604030504040204" pitchFamily="34" charset="-120"/>
+              <a:ea typeface="微軟正黑體" panose="020B0604030504040204" pitchFamily="34" charset="-120"/>
+            </a:endParaRPr>
+          </a:p>
+          <a:p>
             <a:endParaRPr kumimoji="1" lang="zh-TW" altLang="en-US" dirty="0">
               <a:latin typeface="微軟正黑體" panose="020B0604030504040204" pitchFamily="34" charset="-120"/>
               <a:ea typeface="微軟正黑體" panose="020B0604030504040204" pitchFamily="34" charset="-120"/>
@@ -16264,40 +16184,10 @@
           </a:p>
         </p:txBody>
       </p:sp>
-      <p:pic>
-        <p:nvPicPr>
-          <p:cNvPr id="7" name="圖片 6" descr="Untitled1.gif"/>
-          <p:cNvPicPr>
-            <a:picLocks noChangeAspect="1"/>
-          </p:cNvPicPr>
-          <p:nvPr/>
-        </p:nvPicPr>
-        <p:blipFill>
-          <a:blip r:embed="rId3">
-            <a:extLst>
-              <a:ext uri="{28A0092B-C50C-407E-A947-70E740481C1C}">
-                <a14:useLocalDpi xmlns:a14="http://schemas.microsoft.com/office/drawing/2010/main" val="0"/>
-              </a:ext>
-            </a:extLst>
-          </a:blip>
-          <a:stretch>
-            <a:fillRect/>
-          </a:stretch>
-        </p:blipFill>
-        <p:spPr>
-          <a:xfrm>
-            <a:off x="1582728" y="1340768"/>
-            <a:ext cx="6503475" cy="5373216"/>
-          </a:xfrm>
-          <a:prstGeom prst="rect">
-            <a:avLst/>
-          </a:prstGeom>
-        </p:spPr>
-      </p:pic>
     </p:spTree>
     <p:extLst>
       <p:ext uri="{BB962C8B-B14F-4D97-AF65-F5344CB8AC3E}">
-        <p14:creationId xmlns:p14="http://schemas.microsoft.com/office/powerpoint/2010/main" val="2303482676"/>
+        <p14:creationId xmlns:p14="http://schemas.microsoft.com/office/powerpoint/2010/main" val="3430539868"/>
       </p:ext>
     </p:extLst>
   </p:cSld>
@@ -16307,7 +16197,7 @@
   <p:timing>
     <p:tnLst>
       <p:par>
-        <p:cTn id="1" dur="indefinite" restart="never" nodeType="tmRoot"/>
+        <p:cTn xmlns:p14="http://schemas.microsoft.com/office/powerpoint/2010/main" id="1" dur="indefinite" restart="never" nodeType="tmRoot"/>
       </p:par>
     </p:tnLst>
   </p:timing>
@@ -16356,9 +16246,9 @@
                 <a:latin typeface="微軟正黑體" panose="020B0604030504040204" pitchFamily="34" charset="-120"/>
                 <a:ea typeface="微軟正黑體" panose="020B0604030504040204" pitchFamily="34" charset="-120"/>
               </a:rPr>
-              <a:t>篩選器</a:t>
+              <a:t>填寫矯正預防報告</a:t>
             </a:r>
-            <a:endParaRPr lang="en-US" altLang="zh-TW" dirty="0">
+            <a:endParaRPr lang="zh-TW" altLang="en-US" dirty="0">
               <a:latin typeface="微軟正黑體" panose="020B0604030504040204" pitchFamily="34" charset="-120"/>
               <a:ea typeface="微軟正黑體" panose="020B0604030504040204" pitchFamily="34" charset="-120"/>
             </a:endParaRPr>
@@ -16368,7 +16258,7 @@
     </p:spTree>
     <p:extLst>
       <p:ext uri="{BB962C8B-B14F-4D97-AF65-F5344CB8AC3E}">
-        <p14:creationId xmlns:p14="http://schemas.microsoft.com/office/powerpoint/2010/main" val="4217588062"/>
+        <p14:creationId xmlns:p14="http://schemas.microsoft.com/office/powerpoint/2010/main" val="1257690948"/>
       </p:ext>
     </p:extLst>
   </p:cSld>
@@ -16378,7 +16268,7 @@
   <p:timing>
     <p:tnLst>
       <p:par>
-        <p:cTn id="1" dur="indefinite" restart="never" nodeType="tmRoot"/>
+        <p:cTn xmlns:p14="http://schemas.microsoft.com/office/powerpoint/2010/main" id="1" dur="indefinite" restart="never" nodeType="tmRoot"/>
       </p:par>
     </p:tnLst>
   </p:timing>
@@ -16422,7 +16312,7 @@
                 <a:latin typeface="微軟正黑體" panose="020B0604030504040204" pitchFamily="34" charset="-120"/>
                 <a:ea typeface="微軟正黑體" panose="020B0604030504040204" pitchFamily="34" charset="-120"/>
               </a:rPr>
-              <a:t>篩選器</a:t>
+              <a:t>填寫矯正預防報告</a:t>
             </a:r>
             <a:endParaRPr kumimoji="1" lang="zh-TW" altLang="en-US" dirty="0">
               <a:latin typeface="微軟正黑體" panose="020B0604030504040204" pitchFamily="34" charset="-120"/>
@@ -16433,7 +16323,7 @@
       </p:sp>
       <p:sp>
         <p:nvSpPr>
-          <p:cNvPr id="7" name="內容版面配置區 6"/>
+          <p:cNvPr id="3" name="內容版面配置區 2"/>
           <p:cNvSpPr>
             <a:spLocks noGrp="1"/>
           </p:cNvSpPr>
@@ -16443,47 +16333,126 @@
         </p:nvSpPr>
         <p:spPr/>
         <p:txBody>
-          <a:bodyPr/>
+          <a:bodyPr>
+            <a:normAutofit fontScale="92500" lnSpcReduction="10000"/>
+          </a:bodyPr>
           <a:lstStyle/>
           <a:p>
-            <a:endParaRPr kumimoji="1" lang="zh-TW" altLang="en-US" dirty="0"/>
+            <a:r>
+              <a:rPr kumimoji="1" lang="zh-TW" altLang="en-US" dirty="0" smtClean="0">
+                <a:latin typeface="微軟正黑體" panose="020B0604030504040204" pitchFamily="34" charset="-120"/>
+                <a:ea typeface="微軟正黑體" panose="020B0604030504040204" pitchFamily="34" charset="-120"/>
+              </a:rPr>
+              <a:t>問題</a:t>
+            </a:r>
+            <a:endParaRPr kumimoji="1" lang="en-US" altLang="zh-TW" dirty="0" smtClean="0">
+              <a:latin typeface="微軟正黑體" panose="020B0604030504040204" pitchFamily="34" charset="-120"/>
+              <a:ea typeface="微軟正黑體" panose="020B0604030504040204" pitchFamily="34" charset="-120"/>
+            </a:endParaRPr>
+          </a:p>
+          <a:p>
+            <a:pPr lvl="1"/>
+            <a:r>
+              <a:rPr kumimoji="1" lang="zh-TW" altLang="en-US" dirty="0" smtClean="0">
+                <a:latin typeface="微軟正黑體" panose="020B0604030504040204" pitchFamily="34" charset="-120"/>
+                <a:ea typeface="微軟正黑體" panose="020B0604030504040204" pitchFamily="34" charset="-120"/>
+              </a:rPr>
+              <a:t>窗口不一定是填寫報告的人</a:t>
+            </a:r>
+            <a:endParaRPr kumimoji="1" lang="en-US" altLang="zh-TW" dirty="0" smtClean="0">
+              <a:latin typeface="微軟正黑體" panose="020B0604030504040204" pitchFamily="34" charset="-120"/>
+              <a:ea typeface="微軟正黑體" panose="020B0604030504040204" pitchFamily="34" charset="-120"/>
+            </a:endParaRPr>
+          </a:p>
+          <a:p>
+            <a:pPr lvl="1"/>
+            <a:r>
+              <a:rPr kumimoji="1" lang="zh-TW" altLang="en-US" dirty="0" smtClean="0">
+                <a:latin typeface="微軟正黑體" panose="020B0604030504040204" pitchFamily="34" charset="-120"/>
+                <a:ea typeface="微軟正黑體" panose="020B0604030504040204" pitchFamily="34" charset="-120"/>
+              </a:rPr>
+              <a:t>要如何指派給他人</a:t>
+            </a:r>
+            <a:endParaRPr kumimoji="1" lang="en-US" altLang="zh-TW" dirty="0" smtClean="0">
+              <a:latin typeface="微軟正黑體" panose="020B0604030504040204" pitchFamily="34" charset="-120"/>
+              <a:ea typeface="微軟正黑體" panose="020B0604030504040204" pitchFamily="34" charset="-120"/>
+            </a:endParaRPr>
+          </a:p>
+          <a:p>
+            <a:pPr lvl="1"/>
+            <a:r>
+              <a:rPr kumimoji="1" lang="zh-TW" altLang="en-US" dirty="0" smtClean="0">
+                <a:latin typeface="微軟正黑體" panose="020B0604030504040204" pitchFamily="34" charset="-120"/>
+                <a:ea typeface="微軟正黑體" panose="020B0604030504040204" pitchFamily="34" charset="-120"/>
+              </a:rPr>
+              <a:t>如果要取消指派呢</a:t>
+            </a:r>
+            <a:endParaRPr kumimoji="1" lang="en-US" altLang="zh-TW" dirty="0" smtClean="0">
+              <a:latin typeface="微軟正黑體" panose="020B0604030504040204" pitchFamily="34" charset="-120"/>
+              <a:ea typeface="微軟正黑體" panose="020B0604030504040204" pitchFamily="34" charset="-120"/>
+            </a:endParaRPr>
+          </a:p>
+          <a:p>
+            <a:pPr lvl="1"/>
+            <a:endParaRPr kumimoji="1" lang="en-US" altLang="zh-TW" dirty="0">
+              <a:latin typeface="微軟正黑體" panose="020B0604030504040204" pitchFamily="34" charset="-120"/>
+              <a:ea typeface="微軟正黑體" panose="020B0604030504040204" pitchFamily="34" charset="-120"/>
+            </a:endParaRPr>
+          </a:p>
+          <a:p>
+            <a:r>
+              <a:rPr kumimoji="1" lang="zh-TW" altLang="en-US" dirty="0" smtClean="0">
+                <a:latin typeface="微軟正黑體" panose="020B0604030504040204" pitchFamily="34" charset="-120"/>
+                <a:ea typeface="微軟正黑體" panose="020B0604030504040204" pitchFamily="34" charset="-120"/>
+              </a:rPr>
+              <a:t>解決方式</a:t>
+            </a:r>
+            <a:endParaRPr kumimoji="1" lang="en-US" altLang="zh-TW" dirty="0" smtClean="0">
+              <a:latin typeface="微軟正黑體" panose="020B0604030504040204" pitchFamily="34" charset="-120"/>
+              <a:ea typeface="微軟正黑體" panose="020B0604030504040204" pitchFamily="34" charset="-120"/>
+            </a:endParaRPr>
+          </a:p>
+          <a:p>
+            <a:pPr lvl="1"/>
+            <a:r>
+              <a:rPr kumimoji="1" lang="zh-TW" altLang="en-US" dirty="0" smtClean="0">
+                <a:latin typeface="微軟正黑體" panose="020B0604030504040204" pitchFamily="34" charset="-120"/>
+                <a:ea typeface="微軟正黑體" panose="020B0604030504040204" pitchFamily="34" charset="-120"/>
+              </a:rPr>
+              <a:t>透過電子郵</a:t>
+            </a:r>
+            <a:r>
+              <a:rPr kumimoji="1" lang="zh-TW" altLang="en-US" dirty="0">
+                <a:latin typeface="微軟正黑體" panose="020B0604030504040204" pitchFamily="34" charset="-120"/>
+                <a:ea typeface="微軟正黑體" panose="020B0604030504040204" pitchFamily="34" charset="-120"/>
+              </a:rPr>
+              <a:t>件通知</a:t>
+            </a:r>
+            <a:endParaRPr kumimoji="1" lang="en-US" altLang="zh-TW" dirty="0">
+              <a:latin typeface="微軟正黑體" panose="020B0604030504040204" pitchFamily="34" charset="-120"/>
+              <a:ea typeface="微軟正黑體" panose="020B0604030504040204" pitchFamily="34" charset="-120"/>
+            </a:endParaRPr>
+          </a:p>
+          <a:p>
+            <a:pPr lvl="1"/>
+            <a:r>
+              <a:rPr kumimoji="1" lang="zh-TW" altLang="en-US" dirty="0" smtClean="0">
+                <a:latin typeface="微軟正黑體" panose="020B0604030504040204" pitchFamily="34" charset="-120"/>
+                <a:ea typeface="微軟正黑體" panose="020B0604030504040204" pitchFamily="34" charset="-120"/>
+              </a:rPr>
+              <a:t>內含一個一次性的矯正預防表單</a:t>
+            </a:r>
+            <a:endParaRPr kumimoji="1" lang="zh-TW" altLang="en-US" dirty="0">
+              <a:latin typeface="微軟正黑體" panose="020B0604030504040204" pitchFamily="34" charset="-120"/>
+              <a:ea typeface="微軟正黑體" panose="020B0604030504040204" pitchFamily="34" charset="-120"/>
+            </a:endParaRPr>
           </a:p>
         </p:txBody>
       </p:sp>
-      <p:pic>
-        <p:nvPicPr>
-          <p:cNvPr id="6" name="圖片 5" descr="Untitled.gif"/>
-          <p:cNvPicPr>
-            <a:picLocks noChangeAspect="1"/>
-          </p:cNvPicPr>
-          <p:nvPr/>
-        </p:nvPicPr>
-        <p:blipFill>
-          <a:blip r:embed="rId3">
-            <a:extLst>
-              <a:ext uri="{28A0092B-C50C-407E-A947-70E740481C1C}">
-                <a14:useLocalDpi xmlns:a14="http://schemas.microsoft.com/office/drawing/2010/main" val="0"/>
-              </a:ext>
-            </a:extLst>
-          </a:blip>
-          <a:stretch>
-            <a:fillRect/>
-          </a:stretch>
-        </p:blipFill>
-        <p:spPr>
-          <a:xfrm>
-            <a:off x="838530" y="2132856"/>
-            <a:ext cx="7991872" cy="3995936"/>
-          </a:xfrm>
-          <a:prstGeom prst="rect">
-            <a:avLst/>
-          </a:prstGeom>
-        </p:spPr>
-      </p:pic>
     </p:spTree>
     <p:extLst>
       <p:ext uri="{BB962C8B-B14F-4D97-AF65-F5344CB8AC3E}">
-        <p14:creationId xmlns:p14="http://schemas.microsoft.com/office/powerpoint/2010/main" val="3445478445"/>
+        <p14:creationId xmlns:p14="http://schemas.microsoft.com/office/powerpoint/2010/main" val="3856537675"/>
       </p:ext>
     </p:extLst>
   </p:cSld>
@@ -16493,7 +16462,7 @@
   <p:timing>
     <p:tnLst>
       <p:par>
-        <p:cTn id="1" dur="indefinite" restart="never" nodeType="tmRoot"/>
+        <p:cTn xmlns:p14="http://schemas.microsoft.com/office/powerpoint/2010/main" id="1" dur="indefinite" restart="never" nodeType="tmRoot"/>
       </p:par>
     </p:tnLst>
   </p:timing>
@@ -16538,30 +16507,17 @@
           <a:lstStyle/>
           <a:p>
             <a:r>
-              <a:rPr kumimoji="1" lang="en-US" altLang="zh-Hant" dirty="0">
-                <a:latin typeface="微軟正黑體" panose="020B0604030504040204" pitchFamily="34" charset="-120"/>
-                <a:ea typeface="微軟正黑體" panose="020B0604030504040204" pitchFamily="34" charset="-120"/>
-              </a:rPr>
-              <a:t>PDF </a:t>
+              <a:rPr lang="zh-TW" altLang="en-US" dirty="0" smtClean="0"/>
+              <a:t>專題貢獻及延伸應用</a:t>
             </a:r>
-            <a:r>
-              <a:rPr kumimoji="1" lang="zh-Hant" altLang="en-US" dirty="0">
-                <a:latin typeface="微軟正黑體" panose="020B0604030504040204" pitchFamily="34" charset="-120"/>
-                <a:ea typeface="微軟正黑體" panose="020B0604030504040204" pitchFamily="34" charset="-120"/>
-              </a:rPr>
-              <a:t>產生器</a:t>
-            </a:r>
-            <a:endParaRPr lang="en-US" altLang="zh-TW" dirty="0">
-              <a:latin typeface="微軟正黑體" panose="020B0604030504040204" pitchFamily="34" charset="-120"/>
-              <a:ea typeface="微軟正黑體" panose="020B0604030504040204" pitchFamily="34" charset="-120"/>
-            </a:endParaRPr>
+            <a:endParaRPr lang="zh-TW" altLang="en-US" dirty="0"/>
           </a:p>
         </p:txBody>
       </p:sp>
     </p:spTree>
     <p:extLst>
       <p:ext uri="{BB962C8B-B14F-4D97-AF65-F5344CB8AC3E}">
-        <p14:creationId xmlns:p14="http://schemas.microsoft.com/office/powerpoint/2010/main" val="1070661113"/>
+        <p14:creationId xmlns:p14="http://schemas.microsoft.com/office/powerpoint/2010/main" val="2392234779"/>
       </p:ext>
     </p:extLst>
   </p:cSld>
@@ -16571,7 +16527,7 @@
   <p:timing>
     <p:tnLst>
       <p:par>
-        <p:cTn id="1" dur="indefinite" restart="never" nodeType="tmRoot"/>
+        <p:cTn xmlns:p14="http://schemas.microsoft.com/office/powerpoint/2010/main" id="1" dur="indefinite" restart="never" nodeType="tmRoot"/>
       </p:par>
     </p:tnLst>
   </p:timing>
@@ -16611,23 +16567,10 @@
           <a:lstStyle/>
           <a:p>
             <a:r>
-              <a:rPr kumimoji="1" lang="en-US" altLang="zh-Hant" dirty="0">
-                <a:latin typeface="微軟正黑體" panose="020B0604030504040204" pitchFamily="34" charset="-120"/>
-                <a:ea typeface="微軟正黑體" panose="020B0604030504040204" pitchFamily="34" charset="-120"/>
-              </a:rPr>
-              <a:t>PDF </a:t>
+              <a:rPr lang="zh-TW" altLang="en-US" dirty="0" smtClean="0"/>
+              <a:t>專題貢獻</a:t>
             </a:r>
-            <a:r>
-              <a:rPr kumimoji="1" lang="zh-Hant" altLang="en-US" dirty="0">
-                <a:latin typeface="微軟正黑體" panose="020B0604030504040204" pitchFamily="34" charset="-120"/>
-                <a:ea typeface="微軟正黑體" panose="020B0604030504040204" pitchFamily="34" charset="-120"/>
-              </a:rPr>
-              <a:t>產生器</a:t>
-            </a:r>
-            <a:endParaRPr kumimoji="1" lang="zh-TW" altLang="en-US" dirty="0">
-              <a:latin typeface="微軟正黑體" panose="020B0604030504040204" pitchFamily="34" charset="-120"/>
-              <a:ea typeface="微軟正黑體" panose="020B0604030504040204" pitchFamily="34" charset="-120"/>
-            </a:endParaRPr>
+            <a:endParaRPr lang="zh-TW" altLang="en-US" dirty="0"/>
           </a:p>
         </p:txBody>
       </p:sp>
@@ -16647,209 +16590,43 @@
           <a:lstStyle/>
           <a:p>
             <a:r>
-              <a:rPr kumimoji="1" lang="en-US" altLang="zh-TW" dirty="0" smtClean="0">
-                <a:latin typeface="微軟正黑體" panose="020B0604030504040204" pitchFamily="34" charset="-120"/>
-                <a:ea typeface="微軟正黑體" panose="020B0604030504040204" pitchFamily="34" charset="-120"/>
-                <a:cs typeface="Century Gothic"/>
-              </a:rPr>
-              <a:t> </a:t>
-            </a:r>
-            <a:endParaRPr kumimoji="1" lang="en-US" altLang="zh-TW" dirty="0" smtClean="0">
-              <a:latin typeface="微軟正黑體" panose="020B0604030504040204" pitchFamily="34" charset="-120"/>
-              <a:ea typeface="微軟正黑體" panose="020B0604030504040204" pitchFamily="34" charset="-120"/>
-              <a:cs typeface="Cochin"/>
-            </a:endParaRPr>
-          </a:p>
-          <a:p>
-            <a:pPr lvl="1"/>
-            <a:r>
-              <a:rPr kumimoji="1" lang="zh-TW" altLang="en-US" dirty="0" smtClean="0">
-                <a:latin typeface="微軟正黑體" panose="020B0604030504040204" pitchFamily="34" charset="-120"/>
-                <a:ea typeface="微軟正黑體" panose="020B0604030504040204" pitchFamily="34" charset="-120"/>
-              </a:rPr>
-              <a:t>利用</a:t>
+              <a:rPr lang="zh-TW" altLang="en-US" dirty="0"/>
+              <a:t>不必維</a:t>
             </a:r>
             <a:r>
-              <a:rPr kumimoji="1" lang="en-US" altLang="zh-TW" dirty="0" smtClean="0">
-                <a:latin typeface="微軟正黑體" panose="020B0604030504040204" pitchFamily="34" charset="-120"/>
-                <a:ea typeface="微軟正黑體" panose="020B0604030504040204" pitchFamily="34" charset="-120"/>
-              </a:rPr>
-              <a:t> </a:t>
+              <a:rPr lang="zh-TW" altLang="en-US" dirty="0" smtClean="0"/>
+              <a:t>護紙本，方便查詢稽核結果</a:t>
+            </a:r>
+            <a:endParaRPr lang="zh-TW" altLang="en-US" dirty="0"/>
+          </a:p>
+          <a:p>
+            <a:r>
+              <a:rPr lang="zh-TW" altLang="en-US" dirty="0"/>
+              <a:t>管理人方便觀看、改動指派狀況</a:t>
+            </a:r>
+          </a:p>
+          <a:p>
+            <a:r>
+              <a:rPr lang="zh-TW" altLang="en-US" dirty="0"/>
+              <a:t>稽核人依系統排程進行稽核並直接線上填寫回報</a:t>
+            </a:r>
+          </a:p>
+          <a:p>
+            <a:r>
+              <a:rPr lang="zh-TW" altLang="en-US" dirty="0" smtClean="0"/>
+              <a:t>受稽人可以即時查看稽核狀況</a:t>
             </a:r>
             <a:r>
-              <a:rPr kumimoji="1" lang="en-US" altLang="zh-TW" dirty="0" err="1">
-                <a:latin typeface="微軟正黑體" panose="020B0604030504040204" pitchFamily="34" charset="-120"/>
-                <a:ea typeface="微軟正黑體" panose="020B0604030504040204" pitchFamily="34" charset="-120"/>
-              </a:rPr>
-              <a:t>webkit</a:t>
+              <a:rPr lang="zh-TW" altLang="en-US" dirty="0"/>
+              <a:t>、回報、以及稽核發現</a:t>
             </a:r>
-            <a:r>
-              <a:rPr kumimoji="1" lang="en-US" altLang="zh-TW" dirty="0">
-                <a:latin typeface="微軟正黑體" panose="020B0604030504040204" pitchFamily="34" charset="-120"/>
-                <a:ea typeface="微軟正黑體" panose="020B0604030504040204" pitchFamily="34" charset="-120"/>
-              </a:rPr>
-              <a:t> </a:t>
-            </a:r>
-            <a:r>
-              <a:rPr kumimoji="1" lang="zh-TW" altLang="en-US" dirty="0">
-                <a:latin typeface="微軟正黑體" panose="020B0604030504040204" pitchFamily="34" charset="-120"/>
-                <a:ea typeface="微軟正黑體" panose="020B0604030504040204" pitchFamily="34" charset="-120"/>
-              </a:rPr>
-              <a:t>作為渲染引擎產生 </a:t>
-            </a:r>
-            <a:r>
-              <a:rPr kumimoji="1" lang="en-US" altLang="zh-TW" dirty="0">
-                <a:latin typeface="微軟正黑體" panose="020B0604030504040204" pitchFamily="34" charset="-120"/>
-                <a:ea typeface="微軟正黑體" panose="020B0604030504040204" pitchFamily="34" charset="-120"/>
-              </a:rPr>
-              <a:t>PDF </a:t>
-            </a:r>
-            <a:r>
-              <a:rPr kumimoji="1" lang="zh-TW" altLang="en-US" dirty="0">
-                <a:latin typeface="微軟正黑體" panose="020B0604030504040204" pitchFamily="34" charset="-120"/>
-                <a:ea typeface="微軟正黑體" panose="020B0604030504040204" pitchFamily="34" charset="-120"/>
-              </a:rPr>
-              <a:t>的</a:t>
-            </a:r>
-            <a:r>
-              <a:rPr kumimoji="1" lang="zh-TW" altLang="en-US" dirty="0" smtClean="0">
-                <a:latin typeface="微軟正黑體" panose="020B0604030504040204" pitchFamily="34" charset="-120"/>
-                <a:ea typeface="微軟正黑體" panose="020B0604030504040204" pitchFamily="34" charset="-120"/>
-              </a:rPr>
-              <a:t>工具</a:t>
-            </a:r>
-            <a:endParaRPr kumimoji="1" lang="en-US" altLang="zh-TW" dirty="0" smtClean="0">
-              <a:latin typeface="微軟正黑體" panose="020B0604030504040204" pitchFamily="34" charset="-120"/>
-              <a:ea typeface="微軟正黑體" panose="020B0604030504040204" pitchFamily="34" charset="-120"/>
-            </a:endParaRPr>
-          </a:p>
-          <a:p>
-            <a:pPr lvl="1"/>
-            <a:r>
-              <a:rPr kumimoji="1" lang="zh-TW" altLang="en-US" dirty="0" smtClean="0">
-                <a:latin typeface="微軟正黑體" panose="020B0604030504040204" pitchFamily="34" charset="-120"/>
-                <a:ea typeface="微軟正黑體" panose="020B0604030504040204" pitchFamily="34" charset="-120"/>
-              </a:rPr>
-              <a:t>直接將 </a:t>
-            </a:r>
-            <a:r>
-              <a:rPr kumimoji="1" lang="en-US" altLang="zh-TW" dirty="0" smtClean="0">
-                <a:latin typeface="微軟正黑體" panose="020B0604030504040204" pitchFamily="34" charset="-120"/>
-                <a:ea typeface="微軟正黑體" panose="020B0604030504040204" pitchFamily="34" charset="-120"/>
-              </a:rPr>
-              <a:t>HTML </a:t>
-            </a:r>
-            <a:r>
-              <a:rPr kumimoji="1" lang="zh-TW" altLang="en-US" dirty="0" smtClean="0">
-                <a:latin typeface="微軟正黑體" panose="020B0604030504040204" pitchFamily="34" charset="-120"/>
-                <a:ea typeface="微軟正黑體" panose="020B0604030504040204" pitchFamily="34" charset="-120"/>
-              </a:rPr>
-              <a:t>匯出成 </a:t>
-            </a:r>
-            <a:r>
-              <a:rPr kumimoji="1" lang="en-US" altLang="zh-TW" dirty="0" smtClean="0">
-                <a:latin typeface="微軟正黑體" panose="020B0604030504040204" pitchFamily="34" charset="-120"/>
-                <a:ea typeface="微軟正黑體" panose="020B0604030504040204" pitchFamily="34" charset="-120"/>
-              </a:rPr>
-              <a:t>PDF</a:t>
-            </a:r>
-          </a:p>
-          <a:p>
-            <a:pPr lvl="1"/>
-            <a:r>
-              <a:rPr kumimoji="1" lang="zh-TW" altLang="en-US" dirty="0" smtClean="0">
-                <a:latin typeface="微軟正黑體" panose="020B0604030504040204" pitchFamily="34" charset="-120"/>
-                <a:ea typeface="微軟正黑體" panose="020B0604030504040204" pitchFamily="34" charset="-120"/>
-              </a:rPr>
-              <a:t>透過 </a:t>
-            </a:r>
-            <a:r>
-              <a:rPr kumimoji="1" lang="en-US" altLang="zh-TW" dirty="0" smtClean="0">
-                <a:latin typeface="微軟正黑體" panose="020B0604030504040204" pitchFamily="34" charset="-120"/>
-                <a:ea typeface="微軟正黑體" panose="020B0604030504040204" pitchFamily="34" charset="-120"/>
-              </a:rPr>
-              <a:t>Composer </a:t>
-            </a:r>
-            <a:r>
-              <a:rPr kumimoji="1" lang="zh-TW" altLang="en-US" dirty="0" smtClean="0">
-                <a:latin typeface="微軟正黑體" panose="020B0604030504040204" pitchFamily="34" charset="-120"/>
-                <a:ea typeface="微軟正黑體" panose="020B0604030504040204" pitchFamily="34" charset="-120"/>
-              </a:rPr>
-              <a:t>來安裝</a:t>
-            </a:r>
-            <a:endParaRPr kumimoji="1" lang="en-US" altLang="zh-TW" dirty="0">
-              <a:latin typeface="微軟正黑體" panose="020B0604030504040204" pitchFamily="34" charset="-120"/>
-              <a:ea typeface="微軟正黑體" panose="020B0604030504040204" pitchFamily="34" charset="-120"/>
-            </a:endParaRPr>
-          </a:p>
-          <a:p>
-            <a:pPr lvl="1"/>
-            <a:endParaRPr kumimoji="1" lang="en-US" altLang="zh-TW" dirty="0" smtClean="0">
-              <a:latin typeface="微軟正黑體" panose="020B0604030504040204" pitchFamily="34" charset="-120"/>
-              <a:ea typeface="微軟正黑體" panose="020B0604030504040204" pitchFamily="34" charset="-120"/>
-            </a:endParaRPr>
-          </a:p>
-          <a:p>
-            <a:r>
-              <a:rPr kumimoji="1" lang="zh-TW" altLang="en-US" dirty="0" smtClean="0">
-                <a:latin typeface="微軟正黑體" panose="020B0604030504040204" pitchFamily="34" charset="-120"/>
-                <a:ea typeface="微軟正黑體" panose="020B0604030504040204" pitchFamily="34" charset="-120"/>
-              </a:rPr>
-              <a:t>優點</a:t>
-            </a:r>
-            <a:endParaRPr kumimoji="1" lang="en-US" altLang="zh-TW" dirty="0" smtClean="0">
-              <a:latin typeface="微軟正黑體" panose="020B0604030504040204" pitchFamily="34" charset="-120"/>
-              <a:ea typeface="微軟正黑體" panose="020B0604030504040204" pitchFamily="34" charset="-120"/>
-            </a:endParaRPr>
-          </a:p>
-          <a:p>
-            <a:pPr lvl="1"/>
-            <a:r>
-              <a:rPr kumimoji="1" lang="zh-TW" altLang="en-US" dirty="0" smtClean="0">
-                <a:latin typeface="微軟正黑體" panose="020B0604030504040204" pitchFamily="34" charset="-120"/>
-                <a:ea typeface="微軟正黑體" panose="020B0604030504040204" pitchFamily="34" charset="-120"/>
-              </a:rPr>
-              <a:t>中文支援性良好</a:t>
-            </a:r>
-            <a:endParaRPr kumimoji="1" lang="en-US" altLang="zh-TW" dirty="0">
-              <a:latin typeface="微軟正黑體" panose="020B0604030504040204" pitchFamily="34" charset="-120"/>
-              <a:ea typeface="微軟正黑體" panose="020B0604030504040204" pitchFamily="34" charset="-120"/>
-            </a:endParaRPr>
           </a:p>
         </p:txBody>
       </p:sp>
-      <p:pic>
-        <p:nvPicPr>
-          <p:cNvPr id="6" name="圖片 5"/>
-          <p:cNvPicPr>
-            <a:picLocks noChangeAspect="1"/>
-          </p:cNvPicPr>
-          <p:nvPr/>
-        </p:nvPicPr>
-        <p:blipFill>
-          <a:blip r:embed="rId2"/>
-          <a:stretch>
-            <a:fillRect/>
-          </a:stretch>
-        </p:blipFill>
-        <p:spPr>
-          <a:xfrm>
-            <a:off x="1449470" y="2708920"/>
-            <a:ext cx="2618474" cy="432048"/>
-          </a:xfrm>
-          <a:prstGeom prst="rect">
-            <a:avLst/>
-          </a:prstGeom>
-          <a:noFill/>
-          <a:ln>
-            <a:noFill/>
-          </a:ln>
-        </p:spPr>
-      </p:pic>
     </p:spTree>
     <p:extLst>
       <p:ext uri="{BB962C8B-B14F-4D97-AF65-F5344CB8AC3E}">
-        <p14:creationId xmlns:p14="http://schemas.microsoft.com/office/powerpoint/2010/main" val="1285971285"/>
+        <p14:creationId xmlns:p14="http://schemas.microsoft.com/office/powerpoint/2010/main" val="4079409715"/>
       </p:ext>
     </p:extLst>
   </p:cSld>
@@ -16859,7 +16636,7 @@
   <p:timing>
     <p:tnLst>
       <p:par>
-        <p:cTn id="1" dur="indefinite" restart="never" nodeType="tmRoot"/>
+        <p:cTn xmlns:p14="http://schemas.microsoft.com/office/powerpoint/2010/main" id="1" dur="indefinite" restart="never" nodeType="tmRoot"/>
       </p:par>
     </p:tnLst>
   </p:timing>
@@ -16867,77 +16644,6 @@
 </file>
 
 <file path=ppt/slides/slide16.xml><?xml version="1.0" encoding="utf-8"?>
-<p:sld xmlns:a="http://schemas.openxmlformats.org/drawingml/2006/main" xmlns:r="http://schemas.openxmlformats.org/officeDocument/2006/relationships" xmlns:p="http://schemas.openxmlformats.org/presentationml/2006/main">
-  <p:cSld>
-    <p:spTree>
-      <p:nvGrpSpPr>
-        <p:cNvPr id="1" name=""/>
-        <p:cNvGrpSpPr/>
-        <p:nvPr/>
-      </p:nvGrpSpPr>
-      <p:grpSpPr>
-        <a:xfrm>
-          <a:off x="0" y="0"/>
-          <a:ext cx="0" cy="0"/>
-          <a:chOff x="0" y="0"/>
-          <a:chExt cx="0" cy="0"/>
-        </a:xfrm>
-      </p:grpSpPr>
-      <p:sp>
-        <p:nvSpPr>
-          <p:cNvPr id="4" name="標題 3"/>
-          <p:cNvSpPr>
-            <a:spLocks noGrp="1"/>
-          </p:cNvSpPr>
-          <p:nvPr>
-            <p:ph type="title"/>
-          </p:nvPr>
-        </p:nvSpPr>
-        <p:spPr>
-          <a:xfrm>
-            <a:off x="467544" y="2564904"/>
-            <a:ext cx="8229600" cy="1156990"/>
-          </a:xfrm>
-        </p:spPr>
-        <p:txBody>
-          <a:bodyPr/>
-          <a:lstStyle/>
-          <a:p>
-            <a:r>
-              <a:rPr lang="zh-TW" altLang="en-US" dirty="0">
-                <a:latin typeface="微軟正黑體" panose="020B0604030504040204" pitchFamily="34" charset="-120"/>
-                <a:ea typeface="微軟正黑體" panose="020B0604030504040204" pitchFamily="34" charset="-120"/>
-              </a:rPr>
-              <a:t>單位主管通知簽署</a:t>
-            </a:r>
-            <a:endParaRPr lang="en-US" altLang="zh-TW" dirty="0">
-              <a:latin typeface="微軟正黑體" panose="020B0604030504040204" pitchFamily="34" charset="-120"/>
-              <a:ea typeface="微軟正黑體" panose="020B0604030504040204" pitchFamily="34" charset="-120"/>
-            </a:endParaRPr>
-          </a:p>
-        </p:txBody>
-      </p:sp>
-    </p:spTree>
-    <p:extLst>
-      <p:ext uri="{BB962C8B-B14F-4D97-AF65-F5344CB8AC3E}">
-        <p14:creationId xmlns:p14="http://schemas.microsoft.com/office/powerpoint/2010/main" val="377343677"/>
-      </p:ext>
-    </p:extLst>
-  </p:cSld>
-  <p:clrMapOvr>
-    <a:masterClrMapping/>
-  </p:clrMapOvr>
-  <p:timing>
-    <p:tnLst>
-      <p:par>
-        <p:cTn id="1" dur="indefinite" restart="never" nodeType="tmRoot"/>
-      </p:par>
-    </p:tnLst>
-  </p:timing>
-</p:sld>
-</file>
-
-<file path=ppt/slides/slide17.xml><?xml version="1.0" encoding="utf-8"?>
 <p:sld xmlns:a="http://schemas.openxmlformats.org/drawingml/2006/main" xmlns:r="http://schemas.openxmlformats.org/officeDocument/2006/relationships" xmlns:p="http://schemas.openxmlformats.org/presentationml/2006/main">
   <p:cSld>
     <p:spTree>
@@ -16970,16 +16676,10 @@
           <a:lstStyle/>
           <a:p>
             <a:r>
-              <a:rPr lang="zh-TW" altLang="en-US" dirty="0">
-                <a:latin typeface="微軟正黑體" panose="020B0604030504040204" pitchFamily="34" charset="-120"/>
-                <a:ea typeface="微軟正黑體" panose="020B0604030504040204" pitchFamily="34" charset="-120"/>
-              </a:rPr>
-              <a:t>單位主管通知簽署</a:t>
+              <a:rPr lang="zh-TW" altLang="en-US" dirty="0" smtClean="0"/>
+              <a:t>系統延伸應用</a:t>
             </a:r>
-            <a:endParaRPr kumimoji="1" lang="zh-TW" altLang="en-US" dirty="0">
-              <a:latin typeface="微軟正黑體" panose="020B0604030504040204" pitchFamily="34" charset="-120"/>
-              <a:ea typeface="微軟正黑體" panose="020B0604030504040204" pitchFamily="34" charset="-120"/>
-            </a:endParaRPr>
+            <a:endParaRPr lang="zh-TW" altLang="en-US" dirty="0"/>
           </a:p>
         </p:txBody>
       </p:sp>
@@ -17001,111 +16701,28 @@
           <a:lstStyle/>
           <a:p>
             <a:r>
-              <a:rPr kumimoji="1" lang="zh-TW" altLang="en-US" dirty="0" smtClean="0">
-                <a:latin typeface="微軟正黑體" panose="020B0604030504040204" pitchFamily="34" charset="-120"/>
-                <a:ea typeface="微軟正黑體" panose="020B0604030504040204" pitchFamily="34" charset="-120"/>
-              </a:rPr>
-              <a:t>問題</a:t>
+              <a:rPr lang="en-US" altLang="zh-TW" dirty="0" smtClean="0"/>
+              <a:t>PIA</a:t>
             </a:r>
-            <a:endParaRPr kumimoji="1" lang="en-US" altLang="zh-TW" dirty="0" smtClean="0">
-              <a:latin typeface="微軟正黑體" panose="020B0604030504040204" pitchFamily="34" charset="-120"/>
-              <a:ea typeface="微軟正黑體" panose="020B0604030504040204" pitchFamily="34" charset="-120"/>
-            </a:endParaRPr>
-          </a:p>
-          <a:p>
-            <a:pPr lvl="1"/>
             <a:r>
-              <a:rPr kumimoji="1" lang="zh-TW" altLang="en-US" dirty="0" smtClean="0">
-                <a:latin typeface="微軟正黑體" panose="020B0604030504040204" pitchFamily="34" charset="-120"/>
-                <a:ea typeface="微軟正黑體" panose="020B0604030504040204" pitchFamily="34" charset="-120"/>
-              </a:rPr>
-              <a:t>主管帳號</a:t>
+              <a:rPr lang="zh-TW" altLang="en-US" dirty="0" smtClean="0"/>
+              <a:t>運用在個資以外的稽核</a:t>
             </a:r>
-            <a:endParaRPr kumimoji="1" lang="en-US" altLang="zh-TW" dirty="0" smtClean="0">
-              <a:latin typeface="微軟正黑體" panose="020B0604030504040204" pitchFamily="34" charset="-120"/>
-              <a:ea typeface="微軟正黑體" panose="020B0604030504040204" pitchFamily="34" charset="-120"/>
-            </a:endParaRPr>
-          </a:p>
-          <a:p>
-            <a:pPr lvl="1"/>
+            <a:endParaRPr lang="zh-TW" altLang="en-US" dirty="0"/>
+          </a:p>
+          <a:p>
             <a:r>
-              <a:rPr kumimoji="1" lang="zh-TW" altLang="en-US" dirty="0" smtClean="0">
-                <a:latin typeface="微軟正黑體" panose="020B0604030504040204" pitchFamily="34" charset="-120"/>
-                <a:ea typeface="微軟正黑體" panose="020B0604030504040204" pitchFamily="34" charset="-120"/>
-              </a:rPr>
-              <a:t>要如何讓主管簽署</a:t>
+              <a:rPr lang="zh-TW" altLang="en-US" dirty="0" smtClean="0"/>
+              <a:t>運用在外部稽核</a:t>
             </a:r>
-            <a:endParaRPr kumimoji="1" lang="en-US" altLang="zh-TW" dirty="0" smtClean="0">
-              <a:latin typeface="微軟正黑體" panose="020B0604030504040204" pitchFamily="34" charset="-120"/>
-              <a:ea typeface="微軟正黑體" panose="020B0604030504040204" pitchFamily="34" charset="-120"/>
-            </a:endParaRPr>
-          </a:p>
-          <a:p>
-            <a:pPr lvl="1"/>
-            <a:endParaRPr kumimoji="1" lang="en-US" altLang="zh-TW" dirty="0" smtClean="0">
-              <a:latin typeface="微軟正黑體" panose="020B0604030504040204" pitchFamily="34" charset="-120"/>
-              <a:ea typeface="微軟正黑體" panose="020B0604030504040204" pitchFamily="34" charset="-120"/>
-            </a:endParaRPr>
-          </a:p>
-          <a:p>
-            <a:r>
-              <a:rPr kumimoji="1" lang="zh-TW" altLang="en-US" dirty="0" smtClean="0">
-                <a:latin typeface="微軟正黑體" panose="020B0604030504040204" pitchFamily="34" charset="-120"/>
-                <a:ea typeface="微軟正黑體" panose="020B0604030504040204" pitchFamily="34" charset="-120"/>
-              </a:rPr>
-              <a:t>解決方式</a:t>
-            </a:r>
-            <a:endParaRPr kumimoji="1" lang="en-US" altLang="zh-TW" dirty="0" smtClean="0">
-              <a:latin typeface="微軟正黑體" panose="020B0604030504040204" pitchFamily="34" charset="-120"/>
-              <a:ea typeface="微軟正黑體" panose="020B0604030504040204" pitchFamily="34" charset="-120"/>
-            </a:endParaRPr>
-          </a:p>
-          <a:p>
-            <a:pPr lvl="1"/>
-            <a:r>
-              <a:rPr kumimoji="1" lang="zh-TW" altLang="en-US" dirty="0" smtClean="0">
-                <a:latin typeface="微軟正黑體" panose="020B0604030504040204" pitchFamily="34" charset="-120"/>
-                <a:ea typeface="微軟正黑體" panose="020B0604030504040204" pitchFamily="34" charset="-120"/>
-              </a:rPr>
-              <a:t>寄電子郵件通知</a:t>
-            </a:r>
-            <a:endParaRPr kumimoji="1" lang="en-US" altLang="zh-TW" dirty="0" smtClean="0">
-              <a:latin typeface="微軟正黑體" panose="020B0604030504040204" pitchFamily="34" charset="-120"/>
-              <a:ea typeface="微軟正黑體" panose="020B0604030504040204" pitchFamily="34" charset="-120"/>
-            </a:endParaRPr>
-          </a:p>
-          <a:p>
-            <a:pPr lvl="1"/>
-            <a:r>
-              <a:rPr kumimoji="1" lang="zh-TW" altLang="en-US" dirty="0" smtClean="0">
-                <a:latin typeface="微軟正黑體" panose="020B0604030504040204" pitchFamily="34" charset="-120"/>
-                <a:ea typeface="微軟正黑體" panose="020B0604030504040204" pitchFamily="34" charset="-120"/>
-              </a:rPr>
-              <a:t>透過一次性的簽署連結讓主管完成簽署動作。</a:t>
-            </a:r>
-            <a:endParaRPr kumimoji="1" lang="en-US" altLang="zh-TW" dirty="0" smtClean="0">
-              <a:latin typeface="微軟正黑體" panose="020B0604030504040204" pitchFamily="34" charset="-120"/>
-              <a:ea typeface="微軟正黑體" panose="020B0604030504040204" pitchFamily="34" charset="-120"/>
-            </a:endParaRPr>
-          </a:p>
-          <a:p>
-            <a:endParaRPr kumimoji="1" lang="en-US" altLang="zh-TW" dirty="0">
-              <a:latin typeface="微軟正黑體" panose="020B0604030504040204" pitchFamily="34" charset="-120"/>
-              <a:ea typeface="微軟正黑體" panose="020B0604030504040204" pitchFamily="34" charset="-120"/>
-            </a:endParaRPr>
-          </a:p>
-          <a:p>
-            <a:endParaRPr kumimoji="1" lang="zh-TW" altLang="en-US" dirty="0">
-              <a:latin typeface="微軟正黑體" panose="020B0604030504040204" pitchFamily="34" charset="-120"/>
-              <a:ea typeface="微軟正黑體" panose="020B0604030504040204" pitchFamily="34" charset="-120"/>
-            </a:endParaRPr>
+            <a:endParaRPr lang="en-US" altLang="zh-TW" dirty="0" smtClean="0"/>
           </a:p>
         </p:txBody>
       </p:sp>
     </p:spTree>
     <p:extLst>
       <p:ext uri="{BB962C8B-B14F-4D97-AF65-F5344CB8AC3E}">
-        <p14:creationId xmlns:p14="http://schemas.microsoft.com/office/powerpoint/2010/main" val="3430539868"/>
+        <p14:creationId xmlns:p14="http://schemas.microsoft.com/office/powerpoint/2010/main" val="3881855131"/>
       </p:ext>
     </p:extLst>
   </p:cSld>
@@ -17115,272 +16732,7 @@
   <p:timing>
     <p:tnLst>
       <p:par>
-        <p:cTn id="1" dur="indefinite" restart="never" nodeType="tmRoot"/>
-      </p:par>
-    </p:tnLst>
-  </p:timing>
-</p:sld>
-</file>
-
-<file path=ppt/slides/slide18.xml><?xml version="1.0" encoding="utf-8"?>
-<p:sld xmlns:a="http://schemas.openxmlformats.org/drawingml/2006/main" xmlns:r="http://schemas.openxmlformats.org/officeDocument/2006/relationships" xmlns:p="http://schemas.openxmlformats.org/presentationml/2006/main">
-  <p:cSld>
-    <p:spTree>
-      <p:nvGrpSpPr>
-        <p:cNvPr id="1" name=""/>
-        <p:cNvGrpSpPr/>
-        <p:nvPr/>
-      </p:nvGrpSpPr>
-      <p:grpSpPr>
-        <a:xfrm>
-          <a:off x="0" y="0"/>
-          <a:ext cx="0" cy="0"/>
-          <a:chOff x="0" y="0"/>
-          <a:chExt cx="0" cy="0"/>
-        </a:xfrm>
-      </p:grpSpPr>
-      <p:sp>
-        <p:nvSpPr>
-          <p:cNvPr id="4" name="標題 3"/>
-          <p:cNvSpPr>
-            <a:spLocks noGrp="1"/>
-          </p:cNvSpPr>
-          <p:nvPr>
-            <p:ph type="title"/>
-          </p:nvPr>
-        </p:nvSpPr>
-        <p:spPr>
-          <a:xfrm>
-            <a:off x="467544" y="2564904"/>
-            <a:ext cx="8229600" cy="1156990"/>
-          </a:xfrm>
-        </p:spPr>
-        <p:txBody>
-          <a:bodyPr/>
-          <a:lstStyle/>
-          <a:p>
-            <a:r>
-              <a:rPr kumimoji="1" lang="zh-TW" altLang="en-US" dirty="0">
-                <a:latin typeface="微軟正黑體" panose="020B0604030504040204" pitchFamily="34" charset="-120"/>
-                <a:ea typeface="微軟正黑體" panose="020B0604030504040204" pitchFamily="34" charset="-120"/>
-              </a:rPr>
-              <a:t>填寫矯正預防報告</a:t>
-            </a:r>
-            <a:endParaRPr lang="zh-TW" altLang="en-US" dirty="0">
-              <a:latin typeface="微軟正黑體" panose="020B0604030504040204" pitchFamily="34" charset="-120"/>
-              <a:ea typeface="微軟正黑體" panose="020B0604030504040204" pitchFamily="34" charset="-120"/>
-            </a:endParaRPr>
-          </a:p>
-        </p:txBody>
-      </p:sp>
-    </p:spTree>
-    <p:extLst>
-      <p:ext uri="{BB962C8B-B14F-4D97-AF65-F5344CB8AC3E}">
-        <p14:creationId xmlns:p14="http://schemas.microsoft.com/office/powerpoint/2010/main" val="1814644749"/>
-      </p:ext>
-    </p:extLst>
-  </p:cSld>
-  <p:clrMapOvr>
-    <a:masterClrMapping/>
-  </p:clrMapOvr>
-  <p:timing>
-    <p:tnLst>
-      <p:par>
-        <p:cTn id="1" dur="indefinite" restart="never" nodeType="tmRoot"/>
-      </p:par>
-    </p:tnLst>
-  </p:timing>
-</p:sld>
-</file>
-
-<file path=ppt/slides/slide19.xml><?xml version="1.0" encoding="utf-8"?>
-<p:sld xmlns:a="http://schemas.openxmlformats.org/drawingml/2006/main" xmlns:r="http://schemas.openxmlformats.org/officeDocument/2006/relationships" xmlns:p="http://schemas.openxmlformats.org/presentationml/2006/main">
-  <p:cSld>
-    <p:spTree>
-      <p:nvGrpSpPr>
-        <p:cNvPr id="1" name=""/>
-        <p:cNvGrpSpPr/>
-        <p:nvPr/>
-      </p:nvGrpSpPr>
-      <p:grpSpPr>
-        <a:xfrm>
-          <a:off x="0" y="0"/>
-          <a:ext cx="0" cy="0"/>
-          <a:chOff x="0" y="0"/>
-          <a:chExt cx="0" cy="0"/>
-        </a:xfrm>
-      </p:grpSpPr>
-      <p:sp>
-        <p:nvSpPr>
-          <p:cNvPr id="2" name="標題 1"/>
-          <p:cNvSpPr>
-            <a:spLocks noGrp="1"/>
-          </p:cNvSpPr>
-          <p:nvPr>
-            <p:ph type="title"/>
-          </p:nvPr>
-        </p:nvSpPr>
-        <p:spPr/>
-        <p:txBody>
-          <a:bodyPr/>
-          <a:lstStyle/>
-          <a:p>
-            <a:r>
-              <a:rPr kumimoji="1" lang="zh-TW" altLang="en-US" dirty="0" smtClean="0">
-                <a:latin typeface="微軟正黑體" panose="020B0604030504040204" pitchFamily="34" charset="-120"/>
-                <a:ea typeface="微軟正黑體" panose="020B0604030504040204" pitchFamily="34" charset="-120"/>
-              </a:rPr>
-              <a:t>填寫矯正預防報告</a:t>
-            </a:r>
-            <a:endParaRPr kumimoji="1" lang="zh-TW" altLang="en-US" dirty="0">
-              <a:latin typeface="微軟正黑體" panose="020B0604030504040204" pitchFamily="34" charset="-120"/>
-              <a:ea typeface="微軟正黑體" panose="020B0604030504040204" pitchFamily="34" charset="-120"/>
-            </a:endParaRPr>
-          </a:p>
-        </p:txBody>
-      </p:sp>
-      <p:sp>
-        <p:nvSpPr>
-          <p:cNvPr id="3" name="內容版面配置區 2"/>
-          <p:cNvSpPr>
-            <a:spLocks noGrp="1"/>
-          </p:cNvSpPr>
-          <p:nvPr>
-            <p:ph idx="1"/>
-          </p:nvPr>
-        </p:nvSpPr>
-        <p:spPr/>
-        <p:txBody>
-          <a:bodyPr>
-            <a:normAutofit fontScale="92500" lnSpcReduction="10000"/>
-          </a:bodyPr>
-          <a:lstStyle/>
-          <a:p>
-            <a:r>
-              <a:rPr kumimoji="1" lang="zh-TW" altLang="en-US" dirty="0" smtClean="0">
-                <a:latin typeface="微軟正黑體" panose="020B0604030504040204" pitchFamily="34" charset="-120"/>
-                <a:ea typeface="微軟正黑體" panose="020B0604030504040204" pitchFamily="34" charset="-120"/>
-              </a:rPr>
-              <a:t>問題</a:t>
-            </a:r>
-            <a:endParaRPr kumimoji="1" lang="en-US" altLang="zh-TW" dirty="0" smtClean="0">
-              <a:latin typeface="微軟正黑體" panose="020B0604030504040204" pitchFamily="34" charset="-120"/>
-              <a:ea typeface="微軟正黑體" panose="020B0604030504040204" pitchFamily="34" charset="-120"/>
-            </a:endParaRPr>
-          </a:p>
-          <a:p>
-            <a:pPr lvl="1"/>
-            <a:r>
-              <a:rPr kumimoji="1" lang="zh-TW" altLang="en-US" dirty="0" smtClean="0">
-                <a:latin typeface="微軟正黑體" panose="020B0604030504040204" pitchFamily="34" charset="-120"/>
-                <a:ea typeface="微軟正黑體" panose="020B0604030504040204" pitchFamily="34" charset="-120"/>
-              </a:rPr>
-              <a:t>窗口不一定是填寫報告的人</a:t>
-            </a:r>
-            <a:endParaRPr kumimoji="1" lang="en-US" altLang="zh-TW" dirty="0" smtClean="0">
-              <a:latin typeface="微軟正黑體" panose="020B0604030504040204" pitchFamily="34" charset="-120"/>
-              <a:ea typeface="微軟正黑體" panose="020B0604030504040204" pitchFamily="34" charset="-120"/>
-            </a:endParaRPr>
-          </a:p>
-          <a:p>
-            <a:pPr lvl="1"/>
-            <a:r>
-              <a:rPr kumimoji="1" lang="zh-TW" altLang="en-US" dirty="0" smtClean="0">
-                <a:latin typeface="微軟正黑體" panose="020B0604030504040204" pitchFamily="34" charset="-120"/>
-                <a:ea typeface="微軟正黑體" panose="020B0604030504040204" pitchFamily="34" charset="-120"/>
-              </a:rPr>
-              <a:t>要如何指派給他人</a:t>
-            </a:r>
-            <a:endParaRPr kumimoji="1" lang="en-US" altLang="zh-TW" dirty="0" smtClean="0">
-              <a:latin typeface="微軟正黑體" panose="020B0604030504040204" pitchFamily="34" charset="-120"/>
-              <a:ea typeface="微軟正黑體" panose="020B0604030504040204" pitchFamily="34" charset="-120"/>
-            </a:endParaRPr>
-          </a:p>
-          <a:p>
-            <a:pPr lvl="1"/>
-            <a:r>
-              <a:rPr kumimoji="1" lang="zh-TW" altLang="en-US" dirty="0" smtClean="0">
-                <a:latin typeface="微軟正黑體" panose="020B0604030504040204" pitchFamily="34" charset="-120"/>
-                <a:ea typeface="微軟正黑體" panose="020B0604030504040204" pitchFamily="34" charset="-120"/>
-              </a:rPr>
-              <a:t>如果要取消指派呢</a:t>
-            </a:r>
-            <a:endParaRPr kumimoji="1" lang="en-US" altLang="zh-TW" dirty="0" smtClean="0">
-              <a:latin typeface="微軟正黑體" panose="020B0604030504040204" pitchFamily="34" charset="-120"/>
-              <a:ea typeface="微軟正黑體" panose="020B0604030504040204" pitchFamily="34" charset="-120"/>
-            </a:endParaRPr>
-          </a:p>
-          <a:p>
-            <a:pPr lvl="1"/>
-            <a:endParaRPr kumimoji="1" lang="en-US" altLang="zh-TW" dirty="0">
-              <a:latin typeface="微軟正黑體" panose="020B0604030504040204" pitchFamily="34" charset="-120"/>
-              <a:ea typeface="微軟正黑體" panose="020B0604030504040204" pitchFamily="34" charset="-120"/>
-            </a:endParaRPr>
-          </a:p>
-          <a:p>
-            <a:r>
-              <a:rPr kumimoji="1" lang="zh-TW" altLang="en-US" dirty="0" smtClean="0">
-                <a:latin typeface="微軟正黑體" panose="020B0604030504040204" pitchFamily="34" charset="-120"/>
-                <a:ea typeface="微軟正黑體" panose="020B0604030504040204" pitchFamily="34" charset="-120"/>
-              </a:rPr>
-              <a:t>解決方式</a:t>
-            </a:r>
-            <a:endParaRPr kumimoji="1" lang="en-US" altLang="zh-TW" dirty="0" smtClean="0">
-              <a:latin typeface="微軟正黑體" panose="020B0604030504040204" pitchFamily="34" charset="-120"/>
-              <a:ea typeface="微軟正黑體" panose="020B0604030504040204" pitchFamily="34" charset="-120"/>
-            </a:endParaRPr>
-          </a:p>
-          <a:p>
-            <a:pPr lvl="1"/>
-            <a:r>
-              <a:rPr kumimoji="1" lang="zh-TW" altLang="en-US" dirty="0" smtClean="0">
-                <a:latin typeface="微軟正黑體" panose="020B0604030504040204" pitchFamily="34" charset="-120"/>
-                <a:ea typeface="微軟正黑體" panose="020B0604030504040204" pitchFamily="34" charset="-120"/>
-              </a:rPr>
-              <a:t>透過電子郵</a:t>
-            </a:r>
-            <a:r>
-              <a:rPr kumimoji="1" lang="zh-TW" altLang="en-US" dirty="0">
-                <a:latin typeface="微軟正黑體" panose="020B0604030504040204" pitchFamily="34" charset="-120"/>
-                <a:ea typeface="微軟正黑體" panose="020B0604030504040204" pitchFamily="34" charset="-120"/>
-              </a:rPr>
-              <a:t>件通知</a:t>
-            </a:r>
-            <a:endParaRPr kumimoji="1" lang="en-US" altLang="zh-TW" dirty="0">
-              <a:latin typeface="微軟正黑體" panose="020B0604030504040204" pitchFamily="34" charset="-120"/>
-              <a:ea typeface="微軟正黑體" panose="020B0604030504040204" pitchFamily="34" charset="-120"/>
-            </a:endParaRPr>
-          </a:p>
-          <a:p>
-            <a:pPr lvl="1"/>
-            <a:r>
-              <a:rPr kumimoji="1" lang="zh-TW" altLang="en-US" dirty="0" smtClean="0">
-                <a:latin typeface="微軟正黑體" panose="020B0604030504040204" pitchFamily="34" charset="-120"/>
-                <a:ea typeface="微軟正黑體" panose="020B0604030504040204" pitchFamily="34" charset="-120"/>
-              </a:rPr>
-              <a:t>內含一個一次性的矯正預防表單</a:t>
-            </a:r>
-            <a:endParaRPr kumimoji="1" lang="zh-TW" altLang="en-US" dirty="0">
-              <a:latin typeface="微軟正黑體" panose="020B0604030504040204" pitchFamily="34" charset="-120"/>
-              <a:ea typeface="微軟正黑體" panose="020B0604030504040204" pitchFamily="34" charset="-120"/>
-            </a:endParaRPr>
-          </a:p>
-        </p:txBody>
-      </p:sp>
-    </p:spTree>
-    <p:extLst>
-      <p:ext uri="{BB962C8B-B14F-4D97-AF65-F5344CB8AC3E}">
-        <p14:creationId xmlns:p14="http://schemas.microsoft.com/office/powerpoint/2010/main" val="3856537675"/>
-      </p:ext>
-    </p:extLst>
-  </p:cSld>
-  <p:clrMapOvr>
-    <a:masterClrMapping/>
-  </p:clrMapOvr>
-  <p:timing>
-    <p:tnLst>
-      <p:par>
-        <p:cTn id="1" dur="indefinite" restart="never" nodeType="tmRoot"/>
+        <p:cTn xmlns:p14="http://schemas.microsoft.com/office/powerpoint/2010/main" id="1" dur="indefinite" restart="never" nodeType="tmRoot"/>
       </p:par>
     </p:tnLst>
   </p:timing>
@@ -17482,10 +16834,6 @@
               </a:rPr>
               <a:t>目的以及稽核流程</a:t>
             </a:r>
-            <a:endParaRPr lang="zh-TW" altLang="en-US" dirty="0" smtClean="0">
-              <a:latin typeface="微軟正黑體" panose="020B0604030504040204" pitchFamily="34" charset="-120"/>
-              <a:ea typeface="微軟正黑體" panose="020B0604030504040204" pitchFamily="34" charset="-120"/>
-            </a:endParaRPr>
           </a:p>
           <a:p>
             <a:pPr marL="514350" indent="-514350">
@@ -17540,10 +16888,6 @@
               </a:rPr>
               <a:t>望</a:t>
             </a:r>
-            <a:endParaRPr lang="zh-TW" altLang="en-US" dirty="0">
-              <a:latin typeface="微軟正黑體" panose="020B0604030504040204" pitchFamily="34" charset="-120"/>
-              <a:ea typeface="微軟正黑體" panose="020B0604030504040204" pitchFamily="34" charset="-120"/>
-            </a:endParaRPr>
           </a:p>
         </p:txBody>
       </p:sp>
@@ -17560,1257 +16904,10 @@
   <p:timing>
     <p:tnLst>
       <p:par>
-        <p:cTn id="1" dur="indefinite" restart="never" nodeType="tmRoot"/>
+        <p:cTn xmlns:p14="http://schemas.microsoft.com/office/powerpoint/2010/main" id="1" dur="indefinite" restart="never" nodeType="tmRoot"/>
       </p:par>
     </p:tnLst>
   </p:timing>
-</p:sld>
-</file>
-
-<file path=ppt/slides/slide20.xml><?xml version="1.0" encoding="utf-8"?>
-<p:sld xmlns:a="http://schemas.openxmlformats.org/drawingml/2006/main" xmlns:r="http://schemas.openxmlformats.org/officeDocument/2006/relationships" xmlns:p="http://schemas.openxmlformats.org/presentationml/2006/main">
-  <p:cSld>
-    <p:spTree>
-      <p:nvGrpSpPr>
-        <p:cNvPr id="1" name=""/>
-        <p:cNvGrpSpPr/>
-        <p:nvPr/>
-      </p:nvGrpSpPr>
-      <p:grpSpPr>
-        <a:xfrm>
-          <a:off x="0" y="0"/>
-          <a:ext cx="0" cy="0"/>
-          <a:chOff x="0" y="0"/>
-          <a:chExt cx="0" cy="0"/>
-        </a:xfrm>
-      </p:grpSpPr>
-      <p:sp>
-        <p:nvSpPr>
-          <p:cNvPr id="4" name="標題 3"/>
-          <p:cNvSpPr>
-            <a:spLocks noGrp="1"/>
-          </p:cNvSpPr>
-          <p:nvPr>
-            <p:ph type="title"/>
-          </p:nvPr>
-        </p:nvSpPr>
-        <p:spPr>
-          <a:xfrm>
-            <a:off x="467544" y="2564904"/>
-            <a:ext cx="8229600" cy="1156990"/>
-          </a:xfrm>
-        </p:spPr>
-        <p:txBody>
-          <a:bodyPr/>
-          <a:lstStyle/>
-          <a:p>
-            <a:r>
-              <a:rPr lang="zh-TW" altLang="en-US" dirty="0"/>
-              <a:t>實作時遇到之問題與解決辦法</a:t>
-            </a:r>
-            <a:endParaRPr lang="zh-TW" altLang="en-US" dirty="0"/>
-          </a:p>
-        </p:txBody>
-      </p:sp>
-    </p:spTree>
-    <p:extLst>
-      <p:ext uri="{BB962C8B-B14F-4D97-AF65-F5344CB8AC3E}">
-        <p14:creationId xmlns:p14="http://schemas.microsoft.com/office/powerpoint/2010/main" val="2392234779"/>
-      </p:ext>
-    </p:extLst>
-  </p:cSld>
-  <p:clrMapOvr>
-    <a:masterClrMapping/>
-  </p:clrMapOvr>
-  <p:timing>
-    <p:tnLst>
-      <p:par>
-        <p:cTn id="1" dur="indefinite" restart="never" nodeType="tmRoot"/>
-      </p:par>
-    </p:tnLst>
-  </p:timing>
-</p:sld>
-</file>
-
-<file path=ppt/slides/slide21.xml><?xml version="1.0" encoding="utf-8"?>
-<p:sld xmlns:a="http://schemas.openxmlformats.org/drawingml/2006/main" xmlns:r="http://schemas.openxmlformats.org/officeDocument/2006/relationships" xmlns:p="http://schemas.openxmlformats.org/presentationml/2006/main">
-  <p:cSld>
-    <p:spTree>
-      <p:nvGrpSpPr>
-        <p:cNvPr id="1" name=""/>
-        <p:cNvGrpSpPr/>
-        <p:nvPr/>
-      </p:nvGrpSpPr>
-      <p:grpSpPr>
-        <a:xfrm>
-          <a:off x="0" y="0"/>
-          <a:ext cx="0" cy="0"/>
-          <a:chOff x="0" y="0"/>
-          <a:chExt cx="0" cy="0"/>
-        </a:xfrm>
-      </p:grpSpPr>
-      <p:sp>
-        <p:nvSpPr>
-          <p:cNvPr id="4" name="標題 3"/>
-          <p:cNvSpPr>
-            <a:spLocks noGrp="1"/>
-          </p:cNvSpPr>
-          <p:nvPr>
-            <p:ph type="title"/>
-          </p:nvPr>
-        </p:nvSpPr>
-        <p:spPr>
-          <a:xfrm>
-            <a:off x="467544" y="2564904"/>
-            <a:ext cx="8229600" cy="1156990"/>
-          </a:xfrm>
-        </p:spPr>
-        <p:txBody>
-          <a:bodyPr/>
-          <a:lstStyle/>
-          <a:p>
-            <a:r>
-              <a:rPr lang="en-US" altLang="zh-TW" dirty="0" smtClean="0"/>
-              <a:t>True story</a:t>
-            </a:r>
-            <a:endParaRPr lang="zh-TW" altLang="en-US" dirty="0"/>
-          </a:p>
-        </p:txBody>
-      </p:sp>
-    </p:spTree>
-    <p:extLst>
-      <p:ext uri="{BB962C8B-B14F-4D97-AF65-F5344CB8AC3E}">
-        <p14:creationId xmlns:p14="http://schemas.microsoft.com/office/powerpoint/2010/main" val="3003692579"/>
-      </p:ext>
-    </p:extLst>
-  </p:cSld>
-  <p:clrMapOvr>
-    <a:masterClrMapping/>
-  </p:clrMapOvr>
-  <p:timing>
-    <p:tnLst>
-      <p:par>
-        <p:cTn id="1" dur="indefinite" restart="never" nodeType="tmRoot"/>
-      </p:par>
-    </p:tnLst>
-  </p:timing>
-</p:sld>
-</file>
-
-<file path=ppt/slides/slide22.xml><?xml version="1.0" encoding="utf-8"?>
-<p:sld xmlns:a="http://schemas.openxmlformats.org/drawingml/2006/main" xmlns:r="http://schemas.openxmlformats.org/officeDocument/2006/relationships" xmlns:p="http://schemas.openxmlformats.org/presentationml/2006/main">
-  <p:cSld>
-    <p:spTree>
-      <p:nvGrpSpPr>
-        <p:cNvPr id="1" name=""/>
-        <p:cNvGrpSpPr/>
-        <p:nvPr/>
-      </p:nvGrpSpPr>
-      <p:grpSpPr>
-        <a:xfrm>
-          <a:off x="0" y="0"/>
-          <a:ext cx="0" cy="0"/>
-          <a:chOff x="0" y="0"/>
-          <a:chExt cx="0" cy="0"/>
-        </a:xfrm>
-      </p:grpSpPr>
-      <p:sp>
-        <p:nvSpPr>
-          <p:cNvPr id="2" name="標題 1"/>
-          <p:cNvSpPr>
-            <a:spLocks noGrp="1"/>
-          </p:cNvSpPr>
-          <p:nvPr>
-            <p:ph type="title"/>
-          </p:nvPr>
-        </p:nvSpPr>
-        <p:spPr/>
-        <p:txBody>
-          <a:bodyPr/>
-          <a:lstStyle/>
-          <a:p>
-            <a:r>
-              <a:rPr lang="zh-TW" altLang="en-US" dirty="0" smtClean="0"/>
-              <a:t>初期設計</a:t>
-            </a:r>
-            <a:endParaRPr lang="zh-TW" altLang="en-US" dirty="0"/>
-          </a:p>
-        </p:txBody>
-      </p:sp>
-      <p:sp>
-        <p:nvSpPr>
-          <p:cNvPr id="3" name="內容版面配置區 2"/>
-          <p:cNvSpPr>
-            <a:spLocks noGrp="1"/>
-          </p:cNvSpPr>
-          <p:nvPr>
-            <p:ph idx="1"/>
-          </p:nvPr>
-        </p:nvSpPr>
-        <p:spPr/>
-        <p:txBody>
-          <a:bodyPr>
-            <a:normAutofit fontScale="62500" lnSpcReduction="20000"/>
-          </a:bodyPr>
-          <a:lstStyle/>
-          <a:p>
-            <a:r>
-              <a:rPr lang="zh-TW" altLang="en-US" dirty="0" smtClean="0"/>
-              <a:t>規格：每個人員具有一個身份，系統管理者、稽核人、受稽人</a:t>
-            </a:r>
-            <a:endParaRPr lang="en-US" altLang="zh-TW" dirty="0" smtClean="0"/>
-          </a:p>
-          <a:p>
-            <a:r>
-              <a:rPr lang="zh-TW" altLang="en-US" dirty="0" smtClean="0"/>
-              <a:t>邏輯：</a:t>
-            </a:r>
-            <a:endParaRPr lang="en-US" altLang="zh-TW" dirty="0" smtClean="0"/>
-          </a:p>
-          <a:p>
-            <a:pPr marL="411480" lvl="1" indent="0">
-              <a:buNone/>
-            </a:pPr>
-            <a:r>
-              <a:rPr lang="en-US" altLang="zh-TW" dirty="0"/>
-              <a:t>Switch(person1.level)</a:t>
-            </a:r>
-          </a:p>
-          <a:p>
-            <a:pPr marL="777240" lvl="2" indent="0">
-              <a:buNone/>
-            </a:pPr>
-            <a:r>
-              <a:rPr lang="en-US" altLang="zh-TW" dirty="0"/>
-              <a:t>Case 0:</a:t>
-            </a:r>
-          </a:p>
-          <a:p>
-            <a:pPr marL="777240" lvl="2" indent="0">
-              <a:buNone/>
-            </a:pPr>
-            <a:r>
-              <a:rPr lang="en-US" altLang="zh-TW" dirty="0"/>
-              <a:t>		Return  person1</a:t>
-            </a:r>
-            <a:r>
-              <a:rPr lang="zh-TW" altLang="en-US" dirty="0"/>
-              <a:t>是系統管理者</a:t>
-            </a:r>
-            <a:endParaRPr lang="en-US" altLang="zh-TW" dirty="0"/>
-          </a:p>
-          <a:p>
-            <a:pPr marL="777240" lvl="2" indent="0">
-              <a:buNone/>
-            </a:pPr>
-            <a:r>
-              <a:rPr lang="en-US" altLang="zh-TW" dirty="0"/>
-              <a:t>Case 1:</a:t>
-            </a:r>
-          </a:p>
-          <a:p>
-            <a:pPr marL="777240" lvl="2" indent="0">
-              <a:buNone/>
-            </a:pPr>
-            <a:r>
-              <a:rPr lang="en-US" altLang="zh-TW" dirty="0" smtClean="0"/>
-              <a:t>		</a:t>
-            </a:r>
-            <a:r>
-              <a:rPr lang="en-US" altLang="zh-TW" dirty="0"/>
-              <a:t>Return  person1</a:t>
-            </a:r>
-            <a:r>
-              <a:rPr lang="zh-TW" altLang="en-US" dirty="0" smtClean="0"/>
-              <a:t>是稽核人</a:t>
-            </a:r>
-            <a:endParaRPr lang="en-US" altLang="zh-TW" dirty="0" smtClean="0"/>
-          </a:p>
-          <a:p>
-            <a:pPr marL="777240" lvl="2" indent="0">
-              <a:buNone/>
-            </a:pPr>
-            <a:r>
-              <a:rPr lang="en-US" altLang="zh-TW" dirty="0" smtClean="0"/>
-              <a:t>Case 2</a:t>
-            </a:r>
-          </a:p>
-          <a:p>
-            <a:pPr marL="777240" lvl="2" indent="0">
-              <a:buNone/>
-            </a:pPr>
-            <a:r>
-              <a:rPr lang="en-US" altLang="zh-TW" dirty="0"/>
-              <a:t>		Return  person1</a:t>
-            </a:r>
-            <a:r>
-              <a:rPr lang="zh-TW" altLang="en-US" dirty="0" smtClean="0"/>
-              <a:t>是受稽核人</a:t>
-            </a:r>
-            <a:endParaRPr lang="en-US" altLang="zh-TW" dirty="0"/>
-          </a:p>
-          <a:p>
-            <a:r>
-              <a:rPr lang="zh-TW" altLang="en-US" dirty="0" smtClean="0"/>
-              <a:t>資料庫規劃：</a:t>
-            </a:r>
-            <a:endParaRPr lang="en-US" altLang="zh-TW" dirty="0" smtClean="0"/>
-          </a:p>
-          <a:p>
-            <a:pPr marL="777240" lvl="2" indent="0">
-              <a:buNone/>
-            </a:pPr>
-            <a:r>
-              <a:rPr lang="en-US" altLang="zh-TW" dirty="0" smtClean="0"/>
-              <a:t>Person</a:t>
-            </a:r>
-          </a:p>
-          <a:p>
-            <a:pPr marL="777240" lvl="2" indent="0">
-              <a:buNone/>
-            </a:pPr>
-            <a:r>
-              <a:rPr lang="en-US" altLang="zh-TW" dirty="0"/>
-              <a:t>	</a:t>
-            </a:r>
-            <a:r>
-              <a:rPr lang="en-US" altLang="zh-TW" dirty="0" smtClean="0"/>
-              <a:t>	</a:t>
-            </a:r>
-            <a:r>
-              <a:rPr lang="en-US" altLang="zh-TW" dirty="0" err="1" smtClean="0"/>
-              <a:t>int</a:t>
-            </a:r>
-            <a:r>
-              <a:rPr lang="en-US" altLang="zh-TW" dirty="0" smtClean="0"/>
-              <a:t> level</a:t>
-            </a:r>
-          </a:p>
-        </p:txBody>
-      </p:sp>
-    </p:spTree>
-    <p:extLst>
-      <p:ext uri="{BB962C8B-B14F-4D97-AF65-F5344CB8AC3E}">
-        <p14:creationId xmlns:p14="http://schemas.microsoft.com/office/powerpoint/2010/main" val="2485418842"/>
-      </p:ext>
-    </p:extLst>
-  </p:cSld>
-  <p:clrMapOvr>
-    <a:masterClrMapping/>
-  </p:clrMapOvr>
-</p:sld>
-</file>
-
-<file path=ppt/slides/slide23.xml><?xml version="1.0" encoding="utf-8"?>
-<p:sld xmlns:a="http://schemas.openxmlformats.org/drawingml/2006/main" xmlns:r="http://schemas.openxmlformats.org/officeDocument/2006/relationships" xmlns:p="http://schemas.openxmlformats.org/presentationml/2006/main">
-  <p:cSld>
-    <p:spTree>
-      <p:nvGrpSpPr>
-        <p:cNvPr id="1" name=""/>
-        <p:cNvGrpSpPr/>
-        <p:nvPr/>
-      </p:nvGrpSpPr>
-      <p:grpSpPr>
-        <a:xfrm>
-          <a:off x="0" y="0"/>
-          <a:ext cx="0" cy="0"/>
-          <a:chOff x="0" y="0"/>
-          <a:chExt cx="0" cy="0"/>
-        </a:xfrm>
-      </p:grpSpPr>
-      <p:sp>
-        <p:nvSpPr>
-          <p:cNvPr id="2" name="標題 1"/>
-          <p:cNvSpPr>
-            <a:spLocks noGrp="1"/>
-          </p:cNvSpPr>
-          <p:nvPr>
-            <p:ph type="title"/>
-          </p:nvPr>
-        </p:nvSpPr>
-        <p:spPr/>
-        <p:txBody>
-          <a:bodyPr/>
-          <a:lstStyle/>
-          <a:p>
-            <a:r>
-              <a:rPr lang="zh-TW" altLang="en-US" dirty="0" smtClean="0"/>
-              <a:t>需求變動</a:t>
-            </a:r>
-            <a:endParaRPr lang="zh-TW" altLang="en-US" dirty="0"/>
-          </a:p>
-        </p:txBody>
-      </p:sp>
-      <p:sp>
-        <p:nvSpPr>
-          <p:cNvPr id="3" name="內容版面配置區 2"/>
-          <p:cNvSpPr>
-            <a:spLocks noGrp="1"/>
-          </p:cNvSpPr>
-          <p:nvPr>
-            <p:ph idx="1"/>
-          </p:nvPr>
-        </p:nvSpPr>
-        <p:spPr/>
-        <p:txBody>
-          <a:bodyPr>
-            <a:normAutofit fontScale="70000" lnSpcReduction="20000"/>
-          </a:bodyPr>
-          <a:lstStyle/>
-          <a:p>
-            <a:r>
-              <a:rPr lang="zh-TW" altLang="en-US" dirty="0" smtClean="0"/>
-              <a:t>同一個人可能同時具有多種身份</a:t>
-            </a:r>
-            <a:endParaRPr lang="en-US" altLang="zh-TW" dirty="0" smtClean="0"/>
-          </a:p>
-          <a:p>
-            <a:r>
-              <a:rPr lang="zh-TW" altLang="en-US" dirty="0" smtClean="0"/>
-              <a:t>一個直接但是愚蠢的做法</a:t>
-            </a:r>
-            <a:endParaRPr lang="en-US" altLang="zh-TW" dirty="0" smtClean="0"/>
-          </a:p>
-          <a:p>
-            <a:pPr lvl="1"/>
-            <a:r>
-              <a:rPr lang="zh-TW" altLang="en-US" dirty="0" smtClean="0"/>
-              <a:t>依照身份需求申辦多重帳號 </a:t>
-            </a:r>
-            <a:r>
-              <a:rPr lang="en-US" altLang="zh-TW" dirty="0" smtClean="0"/>
-              <a:t>(</a:t>
-            </a:r>
-            <a:r>
-              <a:rPr lang="zh-TW" altLang="en-US" dirty="0" smtClean="0"/>
-              <a:t>笑</a:t>
-            </a:r>
-            <a:endParaRPr lang="en-US" altLang="zh-TW" dirty="0" smtClean="0"/>
-          </a:p>
-          <a:p>
-            <a:r>
-              <a:rPr lang="zh-TW" altLang="en-US" dirty="0" smtClean="0"/>
-              <a:t>解決問題</a:t>
-            </a:r>
-            <a:endParaRPr lang="en-US" altLang="zh-TW" dirty="0" smtClean="0"/>
-          </a:p>
-          <a:p>
-            <a:pPr lvl="1"/>
-            <a:r>
-              <a:rPr lang="zh-TW" altLang="en-US" dirty="0" smtClean="0"/>
-              <a:t>進行修改讓</a:t>
-            </a:r>
-            <a:r>
-              <a:rPr lang="zh-TW" altLang="en-US" dirty="0"/>
-              <a:t>新系統能夠處理多重身份</a:t>
-            </a:r>
-            <a:r>
-              <a:rPr lang="zh-TW" altLang="en-US" dirty="0" smtClean="0"/>
-              <a:t>狀況</a:t>
-            </a:r>
-            <a:endParaRPr lang="en-US" altLang="zh-TW" dirty="0"/>
-          </a:p>
-          <a:p>
-            <a:r>
-              <a:rPr lang="zh-TW" altLang="en-US" dirty="0" smtClean="0"/>
-              <a:t>此外</a:t>
-            </a:r>
-            <a:endParaRPr lang="en-US" altLang="zh-TW" dirty="0" smtClean="0"/>
-          </a:p>
-          <a:p>
-            <a:pPr lvl="1"/>
-            <a:r>
-              <a:rPr lang="zh-TW" altLang="en-US" dirty="0" smtClean="0"/>
-              <a:t>做為一個勞動階級，我希望這個功能不會太難實做，最好是不需要修改太多設計</a:t>
-            </a:r>
-            <a:endParaRPr lang="en-US" altLang="zh-TW" dirty="0" smtClean="0"/>
-          </a:p>
-          <a:p>
-            <a:pPr lvl="1"/>
-            <a:r>
-              <a:rPr lang="zh-TW" altLang="en-US" dirty="0" smtClean="0"/>
-              <a:t>為每個身份新增一個欄位？？？</a:t>
-            </a:r>
-            <a:r>
-              <a:rPr lang="en-US" altLang="zh-TW" dirty="0" smtClean="0"/>
-              <a:t>Kill Me</a:t>
-            </a:r>
-          </a:p>
-          <a:p>
-            <a:pPr lvl="1"/>
-            <a:r>
-              <a:rPr lang="zh-TW" altLang="en-US" dirty="0" smtClean="0"/>
-              <a:t>上面這個提案毫無彈性可言，也許明天我們會需要加入新的監察人身份也說不定？？？</a:t>
-            </a:r>
-            <a:endParaRPr lang="en-US" altLang="zh-TW" dirty="0" smtClean="0"/>
-          </a:p>
-        </p:txBody>
-      </p:sp>
-    </p:spTree>
-    <p:extLst>
-      <p:ext uri="{BB962C8B-B14F-4D97-AF65-F5344CB8AC3E}">
-        <p14:creationId xmlns:p14="http://schemas.microsoft.com/office/powerpoint/2010/main" val="3044534322"/>
-      </p:ext>
-    </p:extLst>
-  </p:cSld>
-  <p:clrMapOvr>
-    <a:masterClrMapping/>
-  </p:clrMapOvr>
-</p:sld>
-</file>
-
-<file path=ppt/slides/slide24.xml><?xml version="1.0" encoding="utf-8"?>
-<p:sld xmlns:a="http://schemas.openxmlformats.org/drawingml/2006/main" xmlns:r="http://schemas.openxmlformats.org/officeDocument/2006/relationships" xmlns:p="http://schemas.openxmlformats.org/presentationml/2006/main">
-  <p:cSld>
-    <p:spTree>
-      <p:nvGrpSpPr>
-        <p:cNvPr id="1" name=""/>
-        <p:cNvGrpSpPr/>
-        <p:nvPr/>
-      </p:nvGrpSpPr>
-      <p:grpSpPr>
-        <a:xfrm>
-          <a:off x="0" y="0"/>
-          <a:ext cx="0" cy="0"/>
-          <a:chOff x="0" y="0"/>
-          <a:chExt cx="0" cy="0"/>
-        </a:xfrm>
-      </p:grpSpPr>
-      <p:sp>
-        <p:nvSpPr>
-          <p:cNvPr id="2" name="標題 1"/>
-          <p:cNvSpPr>
-            <a:spLocks noGrp="1"/>
-          </p:cNvSpPr>
-          <p:nvPr>
-            <p:ph type="title"/>
-          </p:nvPr>
-        </p:nvSpPr>
-        <p:spPr/>
-        <p:txBody>
-          <a:bodyPr/>
-          <a:lstStyle/>
-          <a:p>
-            <a:r>
-              <a:rPr lang="zh-TW" altLang="en-US" dirty="0" smtClean="0"/>
-              <a:t>一個有效的做法</a:t>
-            </a:r>
-            <a:endParaRPr lang="zh-TW" altLang="en-US" dirty="0"/>
-          </a:p>
-        </p:txBody>
-      </p:sp>
-      <p:sp>
-        <p:nvSpPr>
-          <p:cNvPr id="3" name="內容版面配置區 2"/>
-          <p:cNvSpPr>
-            <a:spLocks noGrp="1"/>
-          </p:cNvSpPr>
-          <p:nvPr>
-            <p:ph idx="1"/>
-          </p:nvPr>
-        </p:nvSpPr>
-        <p:spPr/>
-        <p:txBody>
-          <a:bodyPr>
-            <a:normAutofit fontScale="62500" lnSpcReduction="20000"/>
-          </a:bodyPr>
-          <a:lstStyle/>
-          <a:p>
-            <a:r>
-              <a:rPr lang="zh-TW" altLang="en-US" dirty="0" smtClean="0"/>
-              <a:t>概念：</a:t>
-            </a:r>
-            <a:endParaRPr lang="en-US" altLang="zh-TW" dirty="0" smtClean="0"/>
-          </a:p>
-          <a:p>
-            <a:pPr lvl="1"/>
-            <a:r>
-              <a:rPr lang="zh-TW" altLang="en-US" dirty="0" smtClean="0"/>
-              <a:t>修改原來儲存身份的欄位，以</a:t>
-            </a:r>
-            <a:r>
-              <a:rPr lang="en-US" altLang="zh-TW" dirty="0" err="1" smtClean="0"/>
-              <a:t>cvs</a:t>
-            </a:r>
-            <a:r>
-              <a:rPr lang="zh-TW" altLang="en-US" dirty="0" smtClean="0"/>
-              <a:t>格式之字串記錄身份</a:t>
-            </a:r>
-            <a:endParaRPr lang="en-US" altLang="zh-TW" dirty="0" smtClean="0"/>
-          </a:p>
-          <a:p>
-            <a:r>
-              <a:rPr lang="en-US" altLang="zh-TW" dirty="0" smtClean="0"/>
-              <a:t>How</a:t>
-            </a:r>
-            <a:r>
-              <a:rPr lang="zh-TW" altLang="en-US" dirty="0" smtClean="0"/>
-              <a:t>：</a:t>
-            </a:r>
-            <a:endParaRPr lang="en-US" altLang="zh-TW" dirty="0" smtClean="0"/>
-          </a:p>
-          <a:p>
-            <a:pPr lvl="1"/>
-            <a:r>
-              <a:rPr lang="zh-TW" altLang="en-US" dirty="0" smtClean="0"/>
-              <a:t>修改資料庫</a:t>
-            </a:r>
-            <a:r>
-              <a:rPr lang="en-US" altLang="zh-TW" dirty="0" smtClean="0"/>
-              <a:t>Person</a:t>
-            </a:r>
-            <a:r>
-              <a:rPr lang="zh-TW" altLang="en-US" dirty="0" smtClean="0"/>
-              <a:t>之</a:t>
-            </a:r>
-            <a:r>
-              <a:rPr lang="en-US" altLang="zh-TW" dirty="0" smtClean="0"/>
-              <a:t>level</a:t>
-            </a:r>
-            <a:r>
-              <a:rPr lang="zh-TW" altLang="en-US" dirty="0" smtClean="0"/>
-              <a:t>型態成字串</a:t>
-            </a:r>
-            <a:endParaRPr lang="en-US" altLang="zh-TW" dirty="0" smtClean="0"/>
-          </a:p>
-          <a:p>
-            <a:pPr lvl="1"/>
-            <a:r>
-              <a:rPr lang="zh-TW" altLang="en-US" dirty="0" smtClean="0"/>
-              <a:t>修改程式處理身份之邏輯</a:t>
-            </a:r>
-            <a:endParaRPr lang="en-US" altLang="zh-TW" dirty="0" smtClean="0"/>
-          </a:p>
-          <a:p>
-            <a:pPr marL="411480" lvl="1" indent="0">
-              <a:buNone/>
-            </a:pPr>
-            <a:r>
-              <a:rPr lang="en-US" altLang="zh-TW" dirty="0" smtClean="0"/>
-              <a:t>list1 = person1.level.split(‘,’)</a:t>
-            </a:r>
-          </a:p>
-          <a:p>
-            <a:pPr marL="411480" lvl="1" indent="0">
-              <a:buNone/>
-            </a:pPr>
-            <a:r>
-              <a:rPr lang="en-US" altLang="zh-TW" dirty="0" smtClean="0"/>
-              <a:t>If list1.contains(‘admin’)</a:t>
-            </a:r>
-          </a:p>
-          <a:p>
-            <a:pPr marL="777240" lvl="2" indent="0">
-              <a:buNone/>
-            </a:pPr>
-            <a:r>
-              <a:rPr lang="en-US" altLang="zh-TW" dirty="0" smtClean="0"/>
-              <a:t>Print </a:t>
-            </a:r>
-            <a:r>
-              <a:rPr lang="en-US" altLang="zh-TW" dirty="0"/>
-              <a:t>person1</a:t>
-            </a:r>
-            <a:r>
-              <a:rPr lang="zh-TW" altLang="en-US" dirty="0"/>
-              <a:t>是系統管理者</a:t>
-            </a:r>
-            <a:endParaRPr lang="en-US" altLang="zh-TW" dirty="0" smtClean="0"/>
-          </a:p>
-          <a:p>
-            <a:pPr marL="411480" lvl="1" indent="0">
-              <a:buNone/>
-            </a:pPr>
-            <a:r>
-              <a:rPr lang="en-US" altLang="zh-TW" dirty="0" smtClean="0"/>
-              <a:t>If list1.contains(‘audit’)</a:t>
-            </a:r>
-          </a:p>
-          <a:p>
-            <a:pPr marL="777240" lvl="2" indent="0">
-              <a:buNone/>
-            </a:pPr>
-            <a:r>
-              <a:rPr lang="en-US" altLang="zh-TW" dirty="0"/>
-              <a:t>Print person1</a:t>
-            </a:r>
-            <a:r>
-              <a:rPr lang="zh-TW" altLang="en-US" dirty="0" smtClean="0"/>
-              <a:t>是稽核人</a:t>
-            </a:r>
-          </a:p>
-          <a:p>
-            <a:pPr marL="411480" lvl="1" indent="0">
-              <a:buNone/>
-            </a:pPr>
-            <a:r>
-              <a:rPr lang="en-US" altLang="zh-TW" dirty="0" smtClean="0"/>
-              <a:t>If list1.contains(‘auditee’)</a:t>
-            </a:r>
-          </a:p>
-          <a:p>
-            <a:pPr marL="777240" lvl="2" indent="0">
-              <a:buNone/>
-            </a:pPr>
-            <a:r>
-              <a:rPr lang="en-US" altLang="zh-TW" dirty="0"/>
-              <a:t>Print person1</a:t>
-            </a:r>
-            <a:r>
-              <a:rPr lang="zh-TW" altLang="en-US" dirty="0" smtClean="0"/>
-              <a:t>是受稽人</a:t>
-            </a:r>
-          </a:p>
-          <a:p>
-            <a:pPr lvl="1"/>
-            <a:endParaRPr lang="en-US" altLang="zh-TW" dirty="0" smtClean="0"/>
-          </a:p>
-          <a:p>
-            <a:pPr lvl="1"/>
-            <a:endParaRPr lang="zh-TW" altLang="en-US" dirty="0"/>
-          </a:p>
-        </p:txBody>
-      </p:sp>
-    </p:spTree>
-    <p:extLst>
-      <p:ext uri="{BB962C8B-B14F-4D97-AF65-F5344CB8AC3E}">
-        <p14:creationId xmlns:p14="http://schemas.microsoft.com/office/powerpoint/2010/main" val="4062016330"/>
-      </p:ext>
-    </p:extLst>
-  </p:cSld>
-  <p:clrMapOvr>
-    <a:masterClrMapping/>
-  </p:clrMapOvr>
-</p:sld>
-</file>
-
-<file path=ppt/slides/slide25.xml><?xml version="1.0" encoding="utf-8"?>
-<p:sld xmlns:a="http://schemas.openxmlformats.org/drawingml/2006/main" xmlns:r="http://schemas.openxmlformats.org/officeDocument/2006/relationships" xmlns:p="http://schemas.openxmlformats.org/presentationml/2006/main">
-  <p:cSld>
-    <p:spTree>
-      <p:nvGrpSpPr>
-        <p:cNvPr id="1" name=""/>
-        <p:cNvGrpSpPr/>
-        <p:nvPr/>
-      </p:nvGrpSpPr>
-      <p:grpSpPr>
-        <a:xfrm>
-          <a:off x="0" y="0"/>
-          <a:ext cx="0" cy="0"/>
-          <a:chOff x="0" y="0"/>
-          <a:chExt cx="0" cy="0"/>
-        </a:xfrm>
-      </p:grpSpPr>
-      <p:sp>
-        <p:nvSpPr>
-          <p:cNvPr id="2" name="標題 1"/>
-          <p:cNvSpPr>
-            <a:spLocks noGrp="1"/>
-          </p:cNvSpPr>
-          <p:nvPr>
-            <p:ph type="title"/>
-          </p:nvPr>
-        </p:nvSpPr>
-        <p:spPr/>
-        <p:txBody>
-          <a:bodyPr/>
-          <a:lstStyle/>
-          <a:p>
-            <a:r>
-              <a:rPr lang="zh-TW" altLang="en-US" dirty="0" smtClean="0"/>
-              <a:t>優點</a:t>
-            </a:r>
-            <a:endParaRPr lang="zh-TW" altLang="en-US" dirty="0"/>
-          </a:p>
-        </p:txBody>
-      </p:sp>
-      <p:sp>
-        <p:nvSpPr>
-          <p:cNvPr id="3" name="內容版面配置區 2"/>
-          <p:cNvSpPr>
-            <a:spLocks noGrp="1"/>
-          </p:cNvSpPr>
-          <p:nvPr>
-            <p:ph idx="1"/>
-          </p:nvPr>
-        </p:nvSpPr>
-        <p:spPr/>
-        <p:txBody>
-          <a:bodyPr/>
-          <a:lstStyle/>
-          <a:p>
-            <a:r>
-              <a:rPr lang="zh-TW" altLang="en-US" dirty="0" smtClean="0"/>
-              <a:t>有彈性</a:t>
-            </a:r>
-            <a:endParaRPr lang="en-US" altLang="zh-TW" dirty="0" smtClean="0"/>
-          </a:p>
-          <a:p>
-            <a:r>
-              <a:rPr lang="zh-TW" altLang="en-US" dirty="0" smtClean="0"/>
-              <a:t>資料庫變動小</a:t>
-            </a:r>
-            <a:r>
-              <a:rPr lang="en-US" altLang="zh-TW" dirty="0" smtClean="0"/>
-              <a:t>(</a:t>
-            </a:r>
-            <a:r>
-              <a:rPr lang="zh-TW" altLang="en-US" dirty="0" smtClean="0"/>
-              <a:t>僅修改一個欄位型態</a:t>
-            </a:r>
-            <a:r>
-              <a:rPr lang="en-US" altLang="zh-TW" dirty="0" smtClean="0"/>
-              <a:t>)</a:t>
-            </a:r>
-            <a:endParaRPr lang="zh-TW" altLang="en-US" dirty="0"/>
-          </a:p>
-        </p:txBody>
-      </p:sp>
-    </p:spTree>
-    <p:extLst>
-      <p:ext uri="{BB962C8B-B14F-4D97-AF65-F5344CB8AC3E}">
-        <p14:creationId xmlns:p14="http://schemas.microsoft.com/office/powerpoint/2010/main" val="2019506955"/>
-      </p:ext>
-    </p:extLst>
-  </p:cSld>
-  <p:clrMapOvr>
-    <a:masterClrMapping/>
-  </p:clrMapOvr>
-</p:sld>
-</file>
-
-<file path=ppt/slides/slide26.xml><?xml version="1.0" encoding="utf-8"?>
-<p:sld xmlns:a="http://schemas.openxmlformats.org/drawingml/2006/main" xmlns:r="http://schemas.openxmlformats.org/officeDocument/2006/relationships" xmlns:p="http://schemas.openxmlformats.org/presentationml/2006/main">
-  <p:cSld>
-    <p:spTree>
-      <p:nvGrpSpPr>
-        <p:cNvPr id="1" name=""/>
-        <p:cNvGrpSpPr/>
-        <p:nvPr/>
-      </p:nvGrpSpPr>
-      <p:grpSpPr>
-        <a:xfrm>
-          <a:off x="0" y="0"/>
-          <a:ext cx="0" cy="0"/>
-          <a:chOff x="0" y="0"/>
-          <a:chExt cx="0" cy="0"/>
-        </a:xfrm>
-      </p:grpSpPr>
-      <p:sp>
-        <p:nvSpPr>
-          <p:cNvPr id="2" name="標題 1"/>
-          <p:cNvSpPr>
-            <a:spLocks noGrp="1"/>
-          </p:cNvSpPr>
-          <p:nvPr>
-            <p:ph type="title"/>
-          </p:nvPr>
-        </p:nvSpPr>
-        <p:spPr/>
-        <p:txBody>
-          <a:bodyPr/>
-          <a:lstStyle/>
-          <a:p>
-            <a:r>
-              <a:rPr lang="zh-TW" altLang="en-US" dirty="0" smtClean="0"/>
-              <a:t>再稍做修改</a:t>
-            </a:r>
-            <a:endParaRPr lang="zh-TW" altLang="en-US" dirty="0"/>
-          </a:p>
-        </p:txBody>
-      </p:sp>
-      <p:sp>
-        <p:nvSpPr>
-          <p:cNvPr id="3" name="內容版面配置區 2"/>
-          <p:cNvSpPr>
-            <a:spLocks noGrp="1"/>
-          </p:cNvSpPr>
-          <p:nvPr>
-            <p:ph idx="1"/>
-          </p:nvPr>
-        </p:nvSpPr>
-        <p:spPr/>
-        <p:txBody>
-          <a:bodyPr>
-            <a:normAutofit fontScale="85000" lnSpcReduction="20000"/>
-          </a:bodyPr>
-          <a:lstStyle/>
-          <a:p>
-            <a:r>
-              <a:rPr lang="zh-TW" altLang="en-US" dirty="0" smtClean="0"/>
-              <a:t>概念：</a:t>
-            </a:r>
-            <a:endParaRPr lang="en-US" altLang="zh-TW" dirty="0" smtClean="0"/>
-          </a:p>
-          <a:p>
-            <a:pPr marL="708660" lvl="2">
-              <a:buClr>
-                <a:schemeClr val="accent1"/>
-              </a:buClr>
-            </a:pPr>
-            <a:r>
-              <a:rPr lang="zh-TW" altLang="en-US" dirty="0"/>
-              <a:t>用一個個的</a:t>
-            </a:r>
-            <a:r>
-              <a:rPr lang="en-US" altLang="zh-TW" dirty="0"/>
-              <a:t>bit</a:t>
-            </a:r>
-            <a:r>
-              <a:rPr lang="zh-TW" altLang="en-US" dirty="0"/>
-              <a:t>做為</a:t>
-            </a:r>
-            <a:r>
-              <a:rPr lang="en-US" altLang="zh-TW" dirty="0" smtClean="0"/>
-              <a:t>flag</a:t>
-            </a:r>
-          </a:p>
-          <a:p>
-            <a:r>
-              <a:rPr lang="en-US" altLang="zh-TW" dirty="0" smtClean="0"/>
-              <a:t>How</a:t>
-            </a:r>
-            <a:r>
-              <a:rPr lang="zh-TW" altLang="en-US" dirty="0" smtClean="0"/>
-              <a:t>：</a:t>
-            </a:r>
-            <a:endParaRPr lang="en-US" altLang="zh-TW" dirty="0" smtClean="0"/>
-          </a:p>
-          <a:p>
-            <a:pPr lvl="1"/>
-            <a:r>
-              <a:rPr lang="zh-TW" altLang="en-US" dirty="0" smtClean="0"/>
-              <a:t>修改程式邏輯</a:t>
-            </a:r>
-            <a:endParaRPr lang="en-US" altLang="zh-TW" dirty="0" smtClean="0"/>
-          </a:p>
-          <a:p>
-            <a:pPr marL="411480" lvl="1" indent="0">
-              <a:buNone/>
-            </a:pPr>
-            <a:r>
-              <a:rPr lang="en-US" altLang="zh-TW" dirty="0"/>
-              <a:t>If </a:t>
-            </a:r>
-            <a:r>
-              <a:rPr lang="en-US" altLang="zh-TW" dirty="0" smtClean="0"/>
-              <a:t>person1.level &amp; 1</a:t>
-            </a:r>
-            <a:endParaRPr lang="en-US" altLang="zh-TW" dirty="0"/>
-          </a:p>
-          <a:p>
-            <a:pPr marL="777240" lvl="2" indent="0">
-              <a:buNone/>
-            </a:pPr>
-            <a:r>
-              <a:rPr lang="en-US" altLang="zh-TW" dirty="0"/>
-              <a:t>Print person1</a:t>
-            </a:r>
-            <a:r>
-              <a:rPr lang="zh-TW" altLang="en-US" dirty="0"/>
-              <a:t>是系統管理者</a:t>
-            </a:r>
-            <a:endParaRPr lang="en-US" altLang="zh-TW" dirty="0"/>
-          </a:p>
-          <a:p>
-            <a:pPr marL="411480" lvl="1" indent="0">
-              <a:buNone/>
-            </a:pPr>
-            <a:r>
-              <a:rPr lang="en-US" altLang="zh-TW" dirty="0"/>
-              <a:t>If </a:t>
-            </a:r>
-            <a:r>
-              <a:rPr lang="en-US" altLang="zh-TW" dirty="0" smtClean="0"/>
-              <a:t>person1.level </a:t>
-            </a:r>
-            <a:r>
-              <a:rPr lang="en-US" altLang="zh-TW" dirty="0"/>
-              <a:t>&amp; </a:t>
-            </a:r>
-            <a:r>
-              <a:rPr lang="en-US" altLang="zh-TW" dirty="0" smtClean="0"/>
-              <a:t>2</a:t>
-            </a:r>
-            <a:endParaRPr lang="en-US" altLang="zh-TW" dirty="0"/>
-          </a:p>
-          <a:p>
-            <a:pPr marL="777240" lvl="2" indent="0">
-              <a:buNone/>
-            </a:pPr>
-            <a:r>
-              <a:rPr lang="en-US" altLang="zh-TW" dirty="0"/>
-              <a:t>Print person1</a:t>
-            </a:r>
-            <a:r>
-              <a:rPr lang="zh-TW" altLang="en-US" dirty="0"/>
-              <a:t>是稽核人</a:t>
-            </a:r>
-          </a:p>
-          <a:p>
-            <a:pPr marL="411480" lvl="1" indent="0">
-              <a:buNone/>
-            </a:pPr>
-            <a:r>
-              <a:rPr lang="en-US" altLang="zh-TW" dirty="0"/>
-              <a:t>If </a:t>
-            </a:r>
-            <a:r>
-              <a:rPr lang="en-US" altLang="zh-TW" dirty="0" smtClean="0"/>
-              <a:t>person1.level </a:t>
-            </a:r>
-            <a:r>
-              <a:rPr lang="en-US" altLang="zh-TW" dirty="0"/>
-              <a:t>&amp; </a:t>
-            </a:r>
-            <a:r>
-              <a:rPr lang="en-US" altLang="zh-TW" dirty="0" smtClean="0"/>
-              <a:t>4</a:t>
-            </a:r>
-            <a:endParaRPr lang="en-US" altLang="zh-TW" dirty="0"/>
-          </a:p>
-          <a:p>
-            <a:pPr marL="777240" lvl="2" indent="0">
-              <a:buNone/>
-            </a:pPr>
-            <a:r>
-              <a:rPr lang="en-US" altLang="zh-TW" dirty="0"/>
-              <a:t>Print person1</a:t>
-            </a:r>
-            <a:r>
-              <a:rPr lang="zh-TW" altLang="en-US" dirty="0"/>
-              <a:t>是受稽人</a:t>
-            </a:r>
-            <a:endParaRPr lang="en-US" altLang="zh-TW" dirty="0" smtClean="0"/>
-          </a:p>
-        </p:txBody>
-      </p:sp>
-    </p:spTree>
-    <p:extLst>
-      <p:ext uri="{BB962C8B-B14F-4D97-AF65-F5344CB8AC3E}">
-        <p14:creationId xmlns:p14="http://schemas.microsoft.com/office/powerpoint/2010/main" val="2526511100"/>
-      </p:ext>
-    </p:extLst>
-  </p:cSld>
-  <p:clrMapOvr>
-    <a:masterClrMapping/>
-  </p:clrMapOvr>
-</p:sld>
-</file>
-
-<file path=ppt/slides/slide27.xml><?xml version="1.0" encoding="utf-8"?>
-<p:sld xmlns:a="http://schemas.openxmlformats.org/drawingml/2006/main" xmlns:r="http://schemas.openxmlformats.org/officeDocument/2006/relationships" xmlns:p="http://schemas.openxmlformats.org/presentationml/2006/main">
-  <p:cSld>
-    <p:spTree>
-      <p:nvGrpSpPr>
-        <p:cNvPr id="1" name=""/>
-        <p:cNvGrpSpPr/>
-        <p:nvPr/>
-      </p:nvGrpSpPr>
-      <p:grpSpPr>
-        <a:xfrm>
-          <a:off x="0" y="0"/>
-          <a:ext cx="0" cy="0"/>
-          <a:chOff x="0" y="0"/>
-          <a:chExt cx="0" cy="0"/>
-        </a:xfrm>
-      </p:grpSpPr>
-      <p:sp>
-        <p:nvSpPr>
-          <p:cNvPr id="2" name="標題 1"/>
-          <p:cNvSpPr>
-            <a:spLocks noGrp="1"/>
-          </p:cNvSpPr>
-          <p:nvPr>
-            <p:ph type="title"/>
-          </p:nvPr>
-        </p:nvSpPr>
-        <p:spPr/>
-        <p:txBody>
-          <a:bodyPr/>
-          <a:lstStyle/>
-          <a:p>
-            <a:r>
-              <a:rPr lang="zh-TW" altLang="en-US" dirty="0" smtClean="0"/>
-              <a:t>優點</a:t>
-            </a:r>
-            <a:endParaRPr lang="zh-TW" altLang="en-US" dirty="0"/>
-          </a:p>
-        </p:txBody>
-      </p:sp>
-      <p:sp>
-        <p:nvSpPr>
-          <p:cNvPr id="3" name="內容版面配置區 2"/>
-          <p:cNvSpPr>
-            <a:spLocks noGrp="1"/>
-          </p:cNvSpPr>
-          <p:nvPr>
-            <p:ph idx="1"/>
-          </p:nvPr>
-        </p:nvSpPr>
-        <p:spPr/>
-        <p:txBody>
-          <a:bodyPr/>
-          <a:lstStyle/>
-          <a:p>
-            <a:r>
-              <a:rPr lang="zh-TW" altLang="en-US" dirty="0" smtClean="0"/>
-              <a:t>無資料庫設計變動</a:t>
-            </a:r>
-            <a:endParaRPr lang="en-US" altLang="zh-TW" dirty="0" smtClean="0"/>
-          </a:p>
-          <a:p>
-            <a:r>
-              <a:rPr lang="zh-TW" altLang="en-US" dirty="0" smtClean="0"/>
-              <a:t>無須字串處理、比對</a:t>
-            </a:r>
-            <a:endParaRPr lang="zh-TW" altLang="en-US" dirty="0"/>
-          </a:p>
-        </p:txBody>
-      </p:sp>
-    </p:spTree>
-    <p:extLst>
-      <p:ext uri="{BB962C8B-B14F-4D97-AF65-F5344CB8AC3E}">
-        <p14:creationId xmlns:p14="http://schemas.microsoft.com/office/powerpoint/2010/main" val="4079409715"/>
-      </p:ext>
-    </p:extLst>
-  </p:cSld>
-  <p:clrMapOvr>
-    <a:masterClrMapping/>
-  </p:clrMapOvr>
-</p:sld>
-</file>
-
-<file path=ppt/slides/slide28.xml><?xml version="1.0" encoding="utf-8"?>
-<p:sld xmlns:a="http://schemas.openxmlformats.org/drawingml/2006/main" xmlns:r="http://schemas.openxmlformats.org/officeDocument/2006/relationships" xmlns:p="http://schemas.openxmlformats.org/presentationml/2006/main">
-  <p:cSld>
-    <p:spTree>
-      <p:nvGrpSpPr>
-        <p:cNvPr id="1" name=""/>
-        <p:cNvGrpSpPr/>
-        <p:nvPr/>
-      </p:nvGrpSpPr>
-      <p:grpSpPr>
-        <a:xfrm>
-          <a:off x="0" y="0"/>
-          <a:ext cx="0" cy="0"/>
-          <a:chOff x="0" y="0"/>
-          <a:chExt cx="0" cy="0"/>
-        </a:xfrm>
-      </p:grpSpPr>
-      <p:sp>
-        <p:nvSpPr>
-          <p:cNvPr id="2" name="標題 1"/>
-          <p:cNvSpPr>
-            <a:spLocks noGrp="1"/>
-          </p:cNvSpPr>
-          <p:nvPr>
-            <p:ph type="title"/>
-          </p:nvPr>
-        </p:nvSpPr>
-        <p:spPr/>
-        <p:txBody>
-          <a:bodyPr/>
-          <a:lstStyle/>
-          <a:p>
-            <a:r>
-              <a:rPr lang="zh-TW" altLang="en-US" dirty="0" smtClean="0"/>
-              <a:t>未來展望</a:t>
-            </a:r>
-            <a:endParaRPr lang="zh-TW" altLang="en-US" dirty="0"/>
-          </a:p>
-        </p:txBody>
-      </p:sp>
-      <p:sp>
-        <p:nvSpPr>
-          <p:cNvPr id="3" name="內容版面配置區 2"/>
-          <p:cNvSpPr>
-            <a:spLocks noGrp="1"/>
-          </p:cNvSpPr>
-          <p:nvPr>
-            <p:ph idx="1"/>
-          </p:nvPr>
-        </p:nvSpPr>
-        <p:spPr/>
-        <p:txBody>
-          <a:bodyPr>
-            <a:normAutofit lnSpcReduction="10000"/>
-          </a:bodyPr>
-          <a:lstStyle/>
-          <a:p>
-            <a:r>
-              <a:rPr lang="en-US" altLang="zh-TW" dirty="0" smtClean="0"/>
-              <a:t>PIA</a:t>
-            </a:r>
-            <a:r>
-              <a:rPr lang="zh-TW" altLang="en-US" dirty="0" smtClean="0"/>
-              <a:t>系統是為中興大學內部稽核而設計，能否擴充系統功能，使其能被運用在外部稽核，讓其它學校也能使用</a:t>
-            </a:r>
-            <a:r>
-              <a:rPr lang="en-US" altLang="zh-TW" dirty="0" smtClean="0"/>
-              <a:t>PIA</a:t>
-            </a:r>
-            <a:r>
-              <a:rPr lang="zh-TW" altLang="en-US" dirty="0" smtClean="0"/>
-              <a:t>系統？</a:t>
-            </a:r>
-            <a:endParaRPr lang="en-US" altLang="zh-TW" dirty="0" smtClean="0"/>
-          </a:p>
-          <a:p>
-            <a:r>
-              <a:rPr lang="zh-TW" altLang="en-US" dirty="0" smtClean="0"/>
-              <a:t>由於目前沒有實作，並且我不了解外部稽核，但是毫無疑問系統需要大幅修改</a:t>
-            </a:r>
-            <a:endParaRPr lang="en-US" altLang="zh-TW" dirty="0" smtClean="0"/>
-          </a:p>
-          <a:p>
-            <a:pPr lvl="1"/>
-            <a:r>
-              <a:rPr lang="zh-TW" altLang="en-US" dirty="0" smtClean="0"/>
-              <a:t>不同學校的使用者？</a:t>
-            </a:r>
-            <a:endParaRPr lang="en-US" altLang="zh-TW" dirty="0" smtClean="0"/>
-          </a:p>
-          <a:p>
-            <a:pPr lvl="1"/>
-            <a:r>
-              <a:rPr lang="zh-TW" altLang="en-US" dirty="0" smtClean="0"/>
-              <a:t>條文？</a:t>
-            </a:r>
-            <a:r>
-              <a:rPr lang="en-US" altLang="zh-TW" dirty="0" smtClean="0"/>
-              <a:t>PIA</a:t>
-            </a:r>
-            <a:r>
-              <a:rPr lang="zh-TW" altLang="en-US" dirty="0" smtClean="0"/>
-              <a:t>系統只輸入了我們內部的條文</a:t>
-            </a:r>
-            <a:endParaRPr lang="en-US" altLang="zh-TW" dirty="0" smtClean="0"/>
-          </a:p>
-          <a:p>
-            <a:pPr lvl="1"/>
-            <a:r>
-              <a:rPr lang="zh-TW" altLang="en-US" dirty="0" smtClean="0"/>
-              <a:t>反正就是所有功能前面加上不同</a:t>
-            </a:r>
-            <a:r>
-              <a:rPr lang="zh-TW" altLang="en-US" dirty="0" smtClean="0"/>
-              <a:t>學校</a:t>
-            </a:r>
-            <a:endParaRPr lang="en-US" altLang="zh-TW" dirty="0" smtClean="0"/>
-          </a:p>
-        </p:txBody>
-      </p:sp>
-    </p:spTree>
-    <p:extLst>
-      <p:ext uri="{BB962C8B-B14F-4D97-AF65-F5344CB8AC3E}">
-        <p14:creationId xmlns:p14="http://schemas.microsoft.com/office/powerpoint/2010/main" val="3881855131"/>
-      </p:ext>
-    </p:extLst>
-  </p:cSld>
-  <p:clrMapOvr>
-    <a:masterClrMapping/>
-  </p:clrMapOvr>
 </p:sld>
 </file>
 
@@ -18979,7 +17076,7 @@
   <p:timing>
     <p:tnLst>
       <p:par>
-        <p:cTn id="1" dur="indefinite" restart="never" nodeType="tmRoot">
+        <p:cTn xmlns:p14="http://schemas.microsoft.com/office/powerpoint/2010/main" id="1" dur="indefinite" restart="never" nodeType="tmRoot">
           <p:childTnLst>
             <p:seq concurrent="1" nextAc="seek">
               <p:cTn id="2" dur="indefinite" nodeType="mainSeq">
@@ -19845,7 +17942,7 @@
   <p:timing>
     <p:tnLst>
       <p:par>
-        <p:cTn id="1" dur="indefinite" restart="never" nodeType="tmRoot">
+        <p:cTn xmlns:p14="http://schemas.microsoft.com/office/powerpoint/2010/main" id="1" dur="indefinite" restart="never" nodeType="tmRoot">
           <p:childTnLst>
             <p:seq concurrent="1" nextAc="seek">
               <p:cTn id="2" dur="indefinite" nodeType="mainSeq">
@@ -20941,7 +19038,7 @@
   <p:timing>
     <p:tnLst>
       <p:par>
-        <p:cTn id="1" dur="indefinite" restart="never" nodeType="tmRoot">
+        <p:cTn xmlns:p14="http://schemas.microsoft.com/office/powerpoint/2010/main" id="1" dur="indefinite" restart="never" nodeType="tmRoot">
           <p:childTnLst>
             <p:seq concurrent="1" nextAc="seek">
               <p:cTn id="2" dur="indefinite" nodeType="mainSeq">
@@ -21487,7 +19584,7 @@
   <p:timing>
     <p:tnLst>
       <p:par>
-        <p:cTn id="1" dur="indefinite" restart="never" nodeType="tmRoot"/>
+        <p:cTn xmlns:p14="http://schemas.microsoft.com/office/powerpoint/2010/main" id="1" dur="indefinite" restart="never" nodeType="tmRoot"/>
       </p:par>
     </p:tnLst>
   </p:timing>
@@ -21936,7 +20033,7 @@
   <p:timing>
     <p:tnLst>
       <p:par>
-        <p:cTn id="1" dur="indefinite" restart="never" nodeType="tmRoot"/>
+        <p:cTn xmlns:p14="http://schemas.microsoft.com/office/powerpoint/2010/main" id="1" dur="indefinite" restart="never" nodeType="tmRoot"/>
       </p:par>
     </p:tnLst>
   </p:timing>
@@ -21962,7 +20059,7 @@
       </p:grpSpPr>
       <p:sp>
         <p:nvSpPr>
-          <p:cNvPr id="2" name="標題 1"/>
+          <p:cNvPr id="4" name="標題 3"/>
           <p:cNvSpPr>
             <a:spLocks noGrp="1"/>
           </p:cNvSpPr>
@@ -21970,7 +20067,12 @@
             <p:ph type="title"/>
           </p:nvPr>
         </p:nvSpPr>
-        <p:spPr/>
+        <p:spPr>
+          <a:xfrm>
+            <a:off x="467544" y="2564904"/>
+            <a:ext cx="8229600" cy="1156990"/>
+          </a:xfrm>
+        </p:spPr>
         <p:txBody>
           <a:bodyPr/>
           <a:lstStyle/>
@@ -21980,7 +20082,7 @@
                 <a:latin typeface="微軟正黑體" panose="020B0604030504040204" pitchFamily="34" charset="-120"/>
                 <a:ea typeface="微軟正黑體" panose="020B0604030504040204" pitchFamily="34" charset="-120"/>
               </a:rPr>
-              <a:t>功能介紹</a:t>
+              <a:t>行事曆</a:t>
             </a:r>
             <a:endParaRPr lang="zh-TW" altLang="en-US" dirty="0">
               <a:latin typeface="微軟正黑體" panose="020B0604030504040204" pitchFamily="34" charset="-120"/>
@@ -21989,446 +20091,10 @@
           </a:p>
         </p:txBody>
       </p:sp>
-      <p:sp>
-        <p:nvSpPr>
-          <p:cNvPr id="3" name="內容版面配置區 2"/>
-          <p:cNvSpPr>
-            <a:spLocks noGrp="1"/>
-          </p:cNvSpPr>
-          <p:nvPr>
-            <p:ph idx="1"/>
-          </p:nvPr>
-        </p:nvSpPr>
-        <p:spPr/>
-        <p:txBody>
-          <a:bodyPr>
-            <a:normAutofit fontScale="92500" lnSpcReduction="10000"/>
-          </a:bodyPr>
-          <a:lstStyle/>
-          <a:p>
-            <a:r>
-              <a:rPr lang="zh-TW" altLang="en-US" dirty="0" smtClean="0">
-                <a:latin typeface="微軟正黑體" panose="020B0604030504040204" pitchFamily="34" charset="-120"/>
-                <a:ea typeface="微軟正黑體" panose="020B0604030504040204" pitchFamily="34" charset="-120"/>
-              </a:rPr>
-              <a:t>身份驗證以及登入</a:t>
-            </a:r>
-            <a:endParaRPr lang="en-US" altLang="zh-TW" dirty="0" smtClean="0">
-              <a:latin typeface="微軟正黑體" panose="020B0604030504040204" pitchFamily="34" charset="-120"/>
-              <a:ea typeface="微軟正黑體" panose="020B0604030504040204" pitchFamily="34" charset="-120"/>
-            </a:endParaRPr>
-          </a:p>
-          <a:p>
-            <a:pPr lvl="1"/>
-            <a:r>
-              <a:rPr lang="zh-TW" altLang="en-US" dirty="0" smtClean="0">
-                <a:latin typeface="微軟正黑體" panose="020B0604030504040204" pitchFamily="34" charset="-120"/>
-                <a:ea typeface="微軟正黑體" panose="020B0604030504040204" pitchFamily="34" charset="-120"/>
-              </a:rPr>
-              <a:t>資料庫存取</a:t>
-            </a:r>
-            <a:endParaRPr lang="en-US" altLang="zh-TW" dirty="0" smtClean="0">
-              <a:latin typeface="微軟正黑體" panose="020B0604030504040204" pitchFamily="34" charset="-120"/>
-              <a:ea typeface="微軟正黑體" panose="020B0604030504040204" pitchFamily="34" charset="-120"/>
-            </a:endParaRPr>
-          </a:p>
-          <a:p>
-            <a:pPr lvl="1"/>
-            <a:r>
-              <a:rPr lang="en-US" altLang="zh-TW" dirty="0" smtClean="0">
-                <a:latin typeface="微軟正黑體" panose="020B0604030504040204" pitchFamily="34" charset="-120"/>
-                <a:ea typeface="微軟正黑體" panose="020B0604030504040204" pitchFamily="34" charset="-120"/>
-              </a:rPr>
-              <a:t>Session </a:t>
-            </a:r>
-            <a:r>
-              <a:rPr lang="zh-TW" altLang="en-US" dirty="0" smtClean="0">
-                <a:latin typeface="微軟正黑體" panose="020B0604030504040204" pitchFamily="34" charset="-120"/>
-                <a:ea typeface="微軟正黑體" panose="020B0604030504040204" pitchFamily="34" charset="-120"/>
-              </a:rPr>
-              <a:t>記錄</a:t>
-            </a:r>
-            <a:endParaRPr lang="en-US" altLang="zh-TW" dirty="0" smtClean="0">
-              <a:latin typeface="微軟正黑體" panose="020B0604030504040204" pitchFamily="34" charset="-120"/>
-              <a:ea typeface="微軟正黑體" panose="020B0604030504040204" pitchFamily="34" charset="-120"/>
-            </a:endParaRPr>
-          </a:p>
-          <a:p>
-            <a:pPr lvl="1"/>
-            <a:r>
-              <a:rPr lang="zh-TW" altLang="en-US" dirty="0" smtClean="0">
-                <a:latin typeface="微軟正黑體" panose="020B0604030504040204" pitchFamily="34" charset="-120"/>
-                <a:ea typeface="微軟正黑體" panose="020B0604030504040204" pitchFamily="34" charset="-120"/>
-              </a:rPr>
-              <a:t>存</a:t>
-            </a:r>
-            <a:r>
-              <a:rPr lang="zh-TW" altLang="en-US" dirty="0">
-                <a:latin typeface="微軟正黑體" panose="020B0604030504040204" pitchFamily="34" charset="-120"/>
-                <a:ea typeface="微軟正黑體" panose="020B0604030504040204" pitchFamily="34" charset="-120"/>
-              </a:rPr>
-              <a:t>取控管</a:t>
-            </a:r>
-          </a:p>
-          <a:p>
-            <a:r>
-              <a:rPr lang="zh-TW" altLang="en-US" dirty="0">
-                <a:latin typeface="微軟正黑體" panose="020B0604030504040204" pitchFamily="34" charset="-120"/>
-                <a:ea typeface="微軟正黑體" panose="020B0604030504040204" pitchFamily="34" charset="-120"/>
-              </a:rPr>
-              <a:t>管理</a:t>
-            </a:r>
-            <a:r>
-              <a:rPr lang="zh-TW" altLang="en-US" dirty="0" smtClean="0">
-                <a:latin typeface="微軟正黑體" panose="020B0604030504040204" pitchFamily="34" charset="-120"/>
-                <a:ea typeface="微軟正黑體" panose="020B0604030504040204" pitchFamily="34" charset="-120"/>
-              </a:rPr>
-              <a:t>介面</a:t>
-            </a:r>
-            <a:endParaRPr lang="en-US" altLang="zh-TW" dirty="0" smtClean="0">
-              <a:latin typeface="微軟正黑體" panose="020B0604030504040204" pitchFamily="34" charset="-120"/>
-              <a:ea typeface="微軟正黑體" panose="020B0604030504040204" pitchFamily="34" charset="-120"/>
-            </a:endParaRPr>
-          </a:p>
-          <a:p>
-            <a:pPr lvl="1"/>
-            <a:r>
-              <a:rPr lang="zh-TW" altLang="en-US" dirty="0" smtClean="0">
-                <a:latin typeface="微軟正黑體" panose="020B0604030504040204" pitchFamily="34" charset="-120"/>
-                <a:ea typeface="微軟正黑體" panose="020B0604030504040204" pitchFamily="34" charset="-120"/>
-              </a:rPr>
-              <a:t>使用者</a:t>
-            </a:r>
-            <a:endParaRPr lang="en-US" altLang="zh-TW" dirty="0" smtClean="0">
-              <a:latin typeface="微軟正黑體" panose="020B0604030504040204" pitchFamily="34" charset="-120"/>
-              <a:ea typeface="微軟正黑體" panose="020B0604030504040204" pitchFamily="34" charset="-120"/>
-            </a:endParaRPr>
-          </a:p>
-          <a:p>
-            <a:pPr lvl="1"/>
-            <a:r>
-              <a:rPr lang="zh-TW" altLang="en-US" dirty="0" smtClean="0">
-                <a:latin typeface="微軟正黑體" panose="020B0604030504040204" pitchFamily="34" charset="-120"/>
-                <a:ea typeface="微軟正黑體" panose="020B0604030504040204" pitchFamily="34" charset="-120"/>
-              </a:rPr>
-              <a:t>設定</a:t>
-            </a:r>
-            <a:endParaRPr lang="en-US" altLang="zh-TW" dirty="0" smtClean="0">
-              <a:latin typeface="微軟正黑體" panose="020B0604030504040204" pitchFamily="34" charset="-120"/>
-              <a:ea typeface="微軟正黑體" panose="020B0604030504040204" pitchFamily="34" charset="-120"/>
-            </a:endParaRPr>
-          </a:p>
-          <a:p>
-            <a:pPr lvl="1"/>
-            <a:r>
-              <a:rPr lang="zh-TW" altLang="en-US" dirty="0" smtClean="0">
-                <a:latin typeface="微軟正黑體" panose="020B0604030504040204" pitchFamily="34" charset="-120"/>
-                <a:ea typeface="微軟正黑體" panose="020B0604030504040204" pitchFamily="34" charset="-120"/>
-              </a:rPr>
-              <a:t>任務管理</a:t>
-            </a:r>
-            <a:endParaRPr lang="zh-TW" altLang="en-US" dirty="0">
-              <a:latin typeface="微軟正黑體" panose="020B0604030504040204" pitchFamily="34" charset="-120"/>
-              <a:ea typeface="微軟正黑體" panose="020B0604030504040204" pitchFamily="34" charset="-120"/>
-            </a:endParaRPr>
-          </a:p>
-        </p:txBody>
-      </p:sp>
-      <p:sp>
-        <p:nvSpPr>
-          <p:cNvPr id="4" name="內容版面配置區 2"/>
-          <p:cNvSpPr txBox="1">
-            <a:spLocks/>
-          </p:cNvSpPr>
-          <p:nvPr/>
-        </p:nvSpPr>
-        <p:spPr>
-          <a:xfrm>
-            <a:off x="4644008" y="2276872"/>
-            <a:ext cx="3672408" cy="2108680"/>
-          </a:xfrm>
-          <a:prstGeom prst="rect">
-            <a:avLst/>
-          </a:prstGeom>
-        </p:spPr>
-        <p:txBody>
-          <a:bodyPr vert="horz" lIns="91440" tIns="45720" rIns="91440" bIns="45720" rtlCol="0" anchor="ctr">
-            <a:normAutofit/>
-          </a:bodyPr>
-          <a:lstStyle>
-            <a:lvl1pPr marL="285750" indent="-285750" algn="l" defTabSz="457200" rtl="0" eaLnBrk="1" latinLnBrk="0" hangingPunct="1">
-              <a:spcBef>
-                <a:spcPct val="20000"/>
-              </a:spcBef>
-              <a:spcAft>
-                <a:spcPts val="600"/>
-              </a:spcAft>
-              <a:buClr>
-                <a:schemeClr val="accent1">
-                  <a:lumMod val="75000"/>
-                </a:schemeClr>
-              </a:buClr>
-              <a:buSzPct val="145000"/>
-              <a:buFont typeface="Arial"/>
-              <a:buChar char="•"/>
-              <a:defRPr sz="2400" kern="1200" cap="none">
-                <a:solidFill>
-                  <a:schemeClr val="tx1"/>
-                </a:solidFill>
-                <a:effectLst/>
-                <a:latin typeface="+mn-lt"/>
-                <a:ea typeface="+mn-ea"/>
-                <a:cs typeface="+mn-cs"/>
-              </a:defRPr>
-            </a:lvl1pPr>
-            <a:lvl2pPr marL="742950" indent="-285750" algn="l" defTabSz="457200" rtl="0" eaLnBrk="1" latinLnBrk="0" hangingPunct="1">
-              <a:spcBef>
-                <a:spcPct val="20000"/>
-              </a:spcBef>
-              <a:spcAft>
-                <a:spcPts val="600"/>
-              </a:spcAft>
-              <a:buClr>
-                <a:schemeClr val="accent1">
-                  <a:lumMod val="75000"/>
-                </a:schemeClr>
-              </a:buClr>
-              <a:buSzPct val="145000"/>
-              <a:buFont typeface="Arial"/>
-              <a:buChar char="•"/>
-              <a:defRPr sz="2000" kern="1200" cap="none">
-                <a:solidFill>
-                  <a:schemeClr val="tx1"/>
-                </a:solidFill>
-                <a:effectLst/>
-                <a:latin typeface="+mn-lt"/>
-                <a:ea typeface="+mn-ea"/>
-                <a:cs typeface="+mn-cs"/>
-              </a:defRPr>
-            </a:lvl2pPr>
-            <a:lvl3pPr marL="1200150" indent="-285750" algn="l" defTabSz="457200" rtl="0" eaLnBrk="1" latinLnBrk="0" hangingPunct="1">
-              <a:spcBef>
-                <a:spcPct val="20000"/>
-              </a:spcBef>
-              <a:spcAft>
-                <a:spcPts val="600"/>
-              </a:spcAft>
-              <a:buClr>
-                <a:schemeClr val="accent1">
-                  <a:lumMod val="75000"/>
-                </a:schemeClr>
-              </a:buClr>
-              <a:buSzPct val="145000"/>
-              <a:buFont typeface="Arial"/>
-              <a:buChar char="•"/>
-              <a:defRPr sz="1800" kern="1200" cap="none">
-                <a:solidFill>
-                  <a:schemeClr val="tx1"/>
-                </a:solidFill>
-                <a:effectLst/>
-                <a:latin typeface="+mn-lt"/>
-                <a:ea typeface="+mn-ea"/>
-                <a:cs typeface="+mn-cs"/>
-              </a:defRPr>
-            </a:lvl3pPr>
-            <a:lvl4pPr marL="1543050" indent="-171450" algn="l" defTabSz="457200" rtl="0" eaLnBrk="1" latinLnBrk="0" hangingPunct="1">
-              <a:spcBef>
-                <a:spcPct val="20000"/>
-              </a:spcBef>
-              <a:spcAft>
-                <a:spcPts val="600"/>
-              </a:spcAft>
-              <a:buClr>
-                <a:schemeClr val="accent1">
-                  <a:lumMod val="75000"/>
-                </a:schemeClr>
-              </a:buClr>
-              <a:buSzPct val="145000"/>
-              <a:buFont typeface="Arial"/>
-              <a:buChar char="•"/>
-              <a:defRPr sz="1600" kern="1200" cap="none">
-                <a:solidFill>
-                  <a:schemeClr val="tx1"/>
-                </a:solidFill>
-                <a:effectLst/>
-                <a:latin typeface="+mn-lt"/>
-                <a:ea typeface="+mn-ea"/>
-                <a:cs typeface="+mn-cs"/>
-              </a:defRPr>
-            </a:lvl4pPr>
-            <a:lvl5pPr marL="2000250" indent="-171450" algn="l" defTabSz="457200" rtl="0" eaLnBrk="1" latinLnBrk="0" hangingPunct="1">
-              <a:spcBef>
-                <a:spcPct val="20000"/>
-              </a:spcBef>
-              <a:spcAft>
-                <a:spcPts val="600"/>
-              </a:spcAft>
-              <a:buClr>
-                <a:schemeClr val="accent1">
-                  <a:lumMod val="75000"/>
-                </a:schemeClr>
-              </a:buClr>
-              <a:buSzPct val="145000"/>
-              <a:buFont typeface="Arial"/>
-              <a:buChar char="•"/>
-              <a:defRPr sz="1400" kern="1200" cap="none">
-                <a:solidFill>
-                  <a:schemeClr val="tx1"/>
-                </a:solidFill>
-                <a:effectLst/>
-                <a:latin typeface="+mn-lt"/>
-                <a:ea typeface="+mn-ea"/>
-                <a:cs typeface="+mn-cs"/>
-              </a:defRPr>
-            </a:lvl5pPr>
-            <a:lvl6pPr marL="2514600" indent="-228600" algn="l" defTabSz="457200" rtl="0" eaLnBrk="1" latinLnBrk="0" hangingPunct="1">
-              <a:spcBef>
-                <a:spcPct val="20000"/>
-              </a:spcBef>
-              <a:spcAft>
-                <a:spcPts val="600"/>
-              </a:spcAft>
-              <a:buClr>
-                <a:schemeClr val="accent1">
-                  <a:lumMod val="75000"/>
-                </a:schemeClr>
-              </a:buClr>
-              <a:buSzPct val="145000"/>
-              <a:buFont typeface="Arial"/>
-              <a:buChar char="•"/>
-              <a:defRPr sz="1400" kern="1200" cap="none">
-                <a:solidFill>
-                  <a:schemeClr val="tx1"/>
-                </a:solidFill>
-                <a:effectLst/>
-                <a:latin typeface="+mn-lt"/>
-                <a:ea typeface="+mn-ea"/>
-                <a:cs typeface="+mn-cs"/>
-              </a:defRPr>
-            </a:lvl6pPr>
-            <a:lvl7pPr marL="2971800" indent="-228600" algn="l" defTabSz="457200" rtl="0" eaLnBrk="1" latinLnBrk="0" hangingPunct="1">
-              <a:spcBef>
-                <a:spcPct val="20000"/>
-              </a:spcBef>
-              <a:spcAft>
-                <a:spcPts val="600"/>
-              </a:spcAft>
-              <a:buClr>
-                <a:schemeClr val="accent1">
-                  <a:lumMod val="75000"/>
-                </a:schemeClr>
-              </a:buClr>
-              <a:buSzPct val="145000"/>
-              <a:buFont typeface="Arial"/>
-              <a:buChar char="•"/>
-              <a:defRPr sz="1400" kern="1200" cap="none">
-                <a:solidFill>
-                  <a:schemeClr val="tx1"/>
-                </a:solidFill>
-                <a:effectLst/>
-                <a:latin typeface="+mn-lt"/>
-                <a:ea typeface="+mn-ea"/>
-                <a:cs typeface="+mn-cs"/>
-              </a:defRPr>
-            </a:lvl7pPr>
-            <a:lvl8pPr marL="3429000" indent="-228600" algn="l" defTabSz="457200" rtl="0" eaLnBrk="1" latinLnBrk="0" hangingPunct="1">
-              <a:spcBef>
-                <a:spcPct val="20000"/>
-              </a:spcBef>
-              <a:spcAft>
-                <a:spcPts val="600"/>
-              </a:spcAft>
-              <a:buClr>
-                <a:schemeClr val="accent1">
-                  <a:lumMod val="75000"/>
-                </a:schemeClr>
-              </a:buClr>
-              <a:buSzPct val="145000"/>
-              <a:buFont typeface="Arial"/>
-              <a:buChar char="•"/>
-              <a:defRPr sz="1400" kern="1200" cap="none">
-                <a:solidFill>
-                  <a:schemeClr val="tx1"/>
-                </a:solidFill>
-                <a:effectLst/>
-                <a:latin typeface="+mn-lt"/>
-                <a:ea typeface="+mn-ea"/>
-                <a:cs typeface="+mn-cs"/>
-              </a:defRPr>
-            </a:lvl8pPr>
-            <a:lvl9pPr marL="3886200" indent="-228600" algn="l" defTabSz="457200" rtl="0" eaLnBrk="1" latinLnBrk="0" hangingPunct="1">
-              <a:spcBef>
-                <a:spcPct val="20000"/>
-              </a:spcBef>
-              <a:spcAft>
-                <a:spcPts val="600"/>
-              </a:spcAft>
-              <a:buClr>
-                <a:schemeClr val="accent1">
-                  <a:lumMod val="75000"/>
-                </a:schemeClr>
-              </a:buClr>
-              <a:buSzPct val="145000"/>
-              <a:buFont typeface="Arial"/>
-              <a:buChar char="•"/>
-              <a:defRPr sz="1400" kern="1200" cap="none">
-                <a:solidFill>
-                  <a:schemeClr val="tx1"/>
-                </a:solidFill>
-                <a:effectLst/>
-                <a:latin typeface="+mn-lt"/>
-                <a:ea typeface="+mn-ea"/>
-                <a:cs typeface="+mn-cs"/>
-              </a:defRPr>
-            </a:lvl9pPr>
-          </a:lstStyle>
-          <a:p>
-            <a:r>
-              <a:rPr lang="zh-TW" altLang="en-US" dirty="0" smtClean="0">
-                <a:latin typeface="微軟正黑體" panose="020B0604030504040204" pitchFamily="34" charset="-120"/>
-                <a:ea typeface="微軟正黑體" panose="020B0604030504040204" pitchFamily="34" charset="-120"/>
-              </a:rPr>
-              <a:t>稽核人員介面</a:t>
-            </a:r>
-            <a:endParaRPr lang="en-US" altLang="zh-TW" dirty="0" smtClean="0">
-              <a:latin typeface="微軟正黑體" panose="020B0604030504040204" pitchFamily="34" charset="-120"/>
-              <a:ea typeface="微軟正黑體" panose="020B0604030504040204" pitchFamily="34" charset="-120"/>
-            </a:endParaRPr>
-          </a:p>
-          <a:p>
-            <a:pPr lvl="1"/>
-            <a:r>
-              <a:rPr lang="zh-TW" altLang="en-US" dirty="0" smtClean="0">
-                <a:latin typeface="微軟正黑體" panose="020B0604030504040204" pitchFamily="34" charset="-120"/>
-                <a:ea typeface="微軟正黑體" panose="020B0604030504040204" pitchFamily="34" charset="-120"/>
-              </a:rPr>
-              <a:t>稽核行事曆</a:t>
-            </a:r>
-            <a:endParaRPr lang="en-US" altLang="zh-TW" dirty="0" smtClean="0">
-              <a:latin typeface="微軟正黑體" panose="020B0604030504040204" pitchFamily="34" charset="-120"/>
-              <a:ea typeface="微軟正黑體" panose="020B0604030504040204" pitchFamily="34" charset="-120"/>
-            </a:endParaRPr>
-          </a:p>
-          <a:p>
-            <a:pPr lvl="1"/>
-            <a:r>
-              <a:rPr lang="zh-TW" altLang="en-US" dirty="0" smtClean="0">
-                <a:latin typeface="微軟正黑體" panose="020B0604030504040204" pitchFamily="34" charset="-120"/>
-                <a:ea typeface="微軟正黑體" panose="020B0604030504040204" pitchFamily="34" charset="-120"/>
-              </a:rPr>
-              <a:t>稽核報告填寫與暫存</a:t>
-            </a:r>
-            <a:endParaRPr lang="zh-TW" altLang="en-US" dirty="0">
-              <a:latin typeface="微軟正黑體" panose="020B0604030504040204" pitchFamily="34" charset="-120"/>
-              <a:ea typeface="微軟正黑體" panose="020B0604030504040204" pitchFamily="34" charset="-120"/>
-            </a:endParaRPr>
-          </a:p>
-        </p:txBody>
-      </p:sp>
     </p:spTree>
     <p:extLst>
       <p:ext uri="{BB962C8B-B14F-4D97-AF65-F5344CB8AC3E}">
-        <p14:creationId xmlns:p14="http://schemas.microsoft.com/office/powerpoint/2010/main" val="3227895633"/>
+        <p14:creationId xmlns:p14="http://schemas.microsoft.com/office/powerpoint/2010/main" val="1257690948"/>
       </p:ext>
     </p:extLst>
   </p:cSld>
@@ -22438,7 +20104,7 @@
   <p:timing>
     <p:tnLst>
       <p:par>
-        <p:cTn id="1" dur="indefinite" restart="never" nodeType="tmRoot"/>
+        <p:cTn xmlns:p14="http://schemas.microsoft.com/office/powerpoint/2010/main" id="1" dur="indefinite" restart="never" nodeType="tmRoot"/>
       </p:par>
     </p:tnLst>
   </p:timing>
@@ -22472,151 +20138,64 @@
             <p:ph type="title"/>
           </p:nvPr>
         </p:nvSpPr>
-        <p:spPr/>
+        <p:spPr>
+          <a:xfrm>
+            <a:off x="982133" y="457201"/>
+            <a:ext cx="7704667" cy="883567"/>
+          </a:xfrm>
+        </p:spPr>
         <p:txBody>
           <a:bodyPr/>
           <a:lstStyle/>
           <a:p>
             <a:r>
-              <a:rPr lang="zh-TW" altLang="en-US" dirty="0" smtClean="0">
+              <a:rPr kumimoji="1" lang="zh-TW" altLang="en-US" dirty="0" smtClean="0">
                 <a:latin typeface="微軟正黑體" panose="020B0604030504040204" pitchFamily="34" charset="-120"/>
                 <a:ea typeface="微軟正黑體" panose="020B0604030504040204" pitchFamily="34" charset="-120"/>
               </a:rPr>
-              <a:t>功能介紹</a:t>
+              <a:t>行事曆</a:t>
             </a:r>
-            <a:endParaRPr lang="zh-TW" altLang="en-US" dirty="0">
+            <a:endParaRPr kumimoji="1" lang="zh-TW" altLang="en-US" dirty="0">
               <a:latin typeface="微軟正黑體" panose="020B0604030504040204" pitchFamily="34" charset="-120"/>
               <a:ea typeface="微軟正黑體" panose="020B0604030504040204" pitchFamily="34" charset="-120"/>
             </a:endParaRPr>
           </a:p>
         </p:txBody>
       </p:sp>
-      <p:sp>
-        <p:nvSpPr>
-          <p:cNvPr id="3" name="內容版面配置區 2"/>
-          <p:cNvSpPr>
-            <a:spLocks noGrp="1"/>
-          </p:cNvSpPr>
-          <p:nvPr>
-            <p:ph idx="1"/>
-          </p:nvPr>
-        </p:nvSpPr>
-        <p:spPr/>
-        <p:txBody>
-          <a:bodyPr>
-            <a:normAutofit/>
-          </a:bodyPr>
-          <a:lstStyle/>
-          <a:p>
-            <a:r>
-              <a:rPr lang="zh-TW" altLang="en-US" dirty="0" smtClean="0">
-                <a:latin typeface="微軟正黑體" panose="020B0604030504040204" pitchFamily="34" charset="-120"/>
-                <a:ea typeface="微軟正黑體" panose="020B0604030504040204" pitchFamily="34" charset="-120"/>
-              </a:rPr>
-              <a:t>稽核以及矯正預防報告產生</a:t>
-            </a:r>
-            <a:endParaRPr lang="en-US" altLang="zh-TW" dirty="0" smtClean="0">
-              <a:latin typeface="微軟正黑體" panose="020B0604030504040204" pitchFamily="34" charset="-120"/>
-              <a:ea typeface="微軟正黑體" panose="020B0604030504040204" pitchFamily="34" charset="-120"/>
-            </a:endParaRPr>
-          </a:p>
-          <a:p>
-            <a:pPr lvl="1"/>
-            <a:r>
-              <a:rPr lang="en-US" altLang="zh-TW" dirty="0" smtClean="0">
-                <a:latin typeface="微軟正黑體" panose="020B0604030504040204" pitchFamily="34" charset="-120"/>
-                <a:ea typeface="微軟正黑體" panose="020B0604030504040204" pitchFamily="34" charset="-120"/>
-              </a:rPr>
-              <a:t>PDF </a:t>
-            </a:r>
-            <a:r>
-              <a:rPr lang="zh-TW" altLang="en-US" dirty="0">
-                <a:latin typeface="微軟正黑體" panose="020B0604030504040204" pitchFamily="34" charset="-120"/>
-                <a:ea typeface="微軟正黑體" panose="020B0604030504040204" pitchFamily="34" charset="-120"/>
-              </a:rPr>
-              <a:t>產生器</a:t>
-            </a:r>
-          </a:p>
-          <a:p>
-            <a:r>
-              <a:rPr lang="zh-TW" altLang="en-US" dirty="0" smtClean="0">
-                <a:latin typeface="微軟正黑體" panose="020B0604030504040204" pitchFamily="34" charset="-120"/>
-                <a:ea typeface="微軟正黑體" panose="020B0604030504040204" pitchFamily="34" charset="-120"/>
-              </a:rPr>
-              <a:t>單位主管通知簽署</a:t>
-            </a:r>
-            <a:endParaRPr lang="en-US" altLang="zh-TW" dirty="0" smtClean="0">
-              <a:latin typeface="微軟正黑體" panose="020B0604030504040204" pitchFamily="34" charset="-120"/>
-              <a:ea typeface="微軟正黑體" panose="020B0604030504040204" pitchFamily="34" charset="-120"/>
-            </a:endParaRPr>
-          </a:p>
-          <a:p>
-            <a:pPr lvl="1"/>
-            <a:r>
-              <a:rPr lang="zh-TW" altLang="en-US" dirty="0" smtClean="0">
-                <a:latin typeface="微軟正黑體" panose="020B0604030504040204" pitchFamily="34" charset="-120"/>
-                <a:ea typeface="微軟正黑體" panose="020B0604030504040204" pitchFamily="34" charset="-120"/>
-              </a:rPr>
-              <a:t>藉由信件寄送簽署連結以及稽核</a:t>
-            </a:r>
-            <a:r>
-              <a:rPr lang="zh-TW" altLang="en-US" dirty="0">
-                <a:latin typeface="微軟正黑體" panose="020B0604030504040204" pitchFamily="34" charset="-120"/>
-                <a:ea typeface="微軟正黑體" panose="020B0604030504040204" pitchFamily="34" charset="-120"/>
-              </a:rPr>
-              <a:t>報告 </a:t>
-            </a:r>
-            <a:r>
-              <a:rPr lang="en-US" altLang="zh-TW" dirty="0">
-                <a:latin typeface="微軟正黑體" panose="020B0604030504040204" pitchFamily="34" charset="-120"/>
-                <a:ea typeface="微軟正黑體" panose="020B0604030504040204" pitchFamily="34" charset="-120"/>
-              </a:rPr>
-              <a:t>PDF </a:t>
-            </a:r>
-            <a:r>
-              <a:rPr lang="zh-TW" altLang="en-US" dirty="0">
-                <a:latin typeface="微軟正黑體" panose="020B0604030504040204" pitchFamily="34" charset="-120"/>
-                <a:ea typeface="微軟正黑體" panose="020B0604030504040204" pitchFamily="34" charset="-120"/>
-              </a:rPr>
-              <a:t>給單位主管確認</a:t>
-            </a:r>
-          </a:p>
-          <a:p>
-            <a:r>
-              <a:rPr lang="zh-TW" altLang="en-US" dirty="0" smtClean="0">
-                <a:latin typeface="微軟正黑體" panose="020B0604030504040204" pitchFamily="34" charset="-120"/>
-                <a:ea typeface="微軟正黑體" panose="020B0604030504040204" pitchFamily="34" charset="-120"/>
-              </a:rPr>
-              <a:t>受稽單位介面</a:t>
-            </a:r>
-            <a:endParaRPr lang="en-US" altLang="zh-TW" dirty="0" smtClean="0">
-              <a:latin typeface="微軟正黑體" panose="020B0604030504040204" pitchFamily="34" charset="-120"/>
-              <a:ea typeface="微軟正黑體" panose="020B0604030504040204" pitchFamily="34" charset="-120"/>
-            </a:endParaRPr>
-          </a:p>
-          <a:p>
-            <a:pPr lvl="1"/>
-            <a:r>
-              <a:rPr lang="zh-TW" altLang="en-US" dirty="0" smtClean="0">
-                <a:latin typeface="微軟正黑體" panose="020B0604030504040204" pitchFamily="34" charset="-120"/>
-                <a:ea typeface="微軟正黑體" panose="020B0604030504040204" pitchFamily="34" charset="-120"/>
-              </a:rPr>
-              <a:t>矯正預防報告填寫</a:t>
-            </a:r>
-            <a:r>
-              <a:rPr lang="zh-TW" altLang="en-US" dirty="0">
-                <a:latin typeface="微軟正黑體" panose="020B0604030504040204" pitchFamily="34" charset="-120"/>
-                <a:ea typeface="微軟正黑體" panose="020B0604030504040204" pitchFamily="34" charset="-120"/>
-              </a:rPr>
-              <a:t>或指定其他同仁填寫</a:t>
-            </a:r>
-          </a:p>
-        </p:txBody>
-      </p:sp>
+      <p:pic>
+        <p:nvPicPr>
+          <p:cNvPr id="7" name="圖片 6" descr="Untitled1.gif"/>
+          <p:cNvPicPr>
+            <a:picLocks noChangeAspect="1"/>
+          </p:cNvPicPr>
+          <p:nvPr/>
+        </p:nvPicPr>
+        <p:blipFill>
+          <a:blip r:embed="rId3">
+            <a:extLst>
+              <a:ext uri="{28A0092B-C50C-407E-A947-70E740481C1C}">
+                <a14:useLocalDpi xmlns:a14="http://schemas.microsoft.com/office/drawing/2010/main" val="0"/>
+              </a:ext>
+            </a:extLst>
+          </a:blip>
+          <a:stretch>
+            <a:fillRect/>
+          </a:stretch>
+        </p:blipFill>
+        <p:spPr>
+          <a:xfrm>
+            <a:off x="1582728" y="1340768"/>
+            <a:ext cx="6503475" cy="5373216"/>
+          </a:xfrm>
+          <a:prstGeom prst="rect">
+            <a:avLst/>
+          </a:prstGeom>
+        </p:spPr>
+      </p:pic>
     </p:spTree>
     <p:extLst>
       <p:ext uri="{BB962C8B-B14F-4D97-AF65-F5344CB8AC3E}">
-        <p14:creationId xmlns:p14="http://schemas.microsoft.com/office/powerpoint/2010/main" val="950409900"/>
+        <p14:creationId xmlns:p14="http://schemas.microsoft.com/office/powerpoint/2010/main" val="2303482676"/>
       </p:ext>
     </p:extLst>
   </p:cSld>
@@ -22626,7 +20205,7 @@
   <p:timing>
     <p:tnLst>
       <p:par>
-        <p:cTn id="1" dur="indefinite" restart="never" nodeType="tmRoot"/>
+        <p:cTn xmlns:p14="http://schemas.microsoft.com/office/powerpoint/2010/main" id="1" dur="indefinite" restart="never" nodeType="tmRoot"/>
       </p:par>
     </p:tnLst>
   </p:timing>
@@ -22883,7 +20462,7 @@
   <a:extraClrSchemeLst/>
   <a:extLst>
     <a:ext uri="{05A4C25C-085E-4340-85A3-A5531E510DB2}">
-      <thm15:themeFamily xmlns:thm15="http://schemas.microsoft.com/office/thememl/2012/main" name="Parallax" id="{3388167B-A2EB-4685-9635-1831D9AEF8C4}" vid="{4F7A876A-7598-49CA-AFC8-8EDA2551E4A7}"/>
+      <thm15:themeFamily xmlns="" xmlns:thm15="http://schemas.microsoft.com/office/thememl/2012/main" name="Parallax" id="{3388167B-A2EB-4685-9635-1831D9AEF8C4}" vid="{4F7A876A-7598-49CA-AFC8-8EDA2551E4A7}"/>
     </a:ext>
   </a:extLst>
 </a:theme>
@@ -23144,7 +20723,7 @@
   <a:extraClrSchemeLst/>
   <a:extLst>
     <a:ext uri="{05A4C25C-085E-4340-85A3-A5531E510DB2}">
-      <thm15:themeFamily xmlns:thm15="http://schemas.microsoft.com/office/thememl/2012/main" name="Office Theme" id="{62F939B6-93AF-4DB8-9C6B-D6C7DFDC589F}" vid="{4A3C46E8-61CC-4603-A589-7422A47A8E4A}"/>
+      <thm15:themeFamily xmlns="" xmlns:thm15="http://schemas.microsoft.com/office/thememl/2012/main" name="Office Theme" id="{62F939B6-93AF-4DB8-9C6B-D6C7DFDC589F}" vid="{4A3C46E8-61CC-4603-A589-7422A47A8E4A}"/>
     </a:ext>
   </a:extLst>
 </a:theme>
